--- a/LiClassProject/라이클래스 팀프로젝트 산출물/3. 일정정리/LiClass_일정표_20230404.pptx
+++ b/LiClassProject/라이클래스 팀프로젝트 산출물/3. 일정정리/LiClass_일정표_20230404.pptx
@@ -1,14 +1,14 @@
 
 <file path=ppt/presentation.xml><?xml version="1.0" encoding="utf-8"?>
-<p:presentation xmlns:r="http://schemas.openxmlformats.org/officeDocument/2006/relationships" xmlns:c="http://schemas.openxmlformats.org/drawingml/2006/chart" xmlns:a="http://schemas.openxmlformats.org/drawingml/2006/main" xmlns:dgm="http://schemas.openxmlformats.org/drawingml/2006/diagram" xmlns:dsp="http://schemas.microsoft.com/office/drawing/2008/diagram" xmlns:p="http://schemas.openxmlformats.org/presentationml/2006/main" showSpecialPlsOnTitleSld="0">
+<p:presentation xmlns:a="http://schemas.openxmlformats.org/drawingml/2006/main" xmlns:r="http://schemas.openxmlformats.org/officeDocument/2006/relationships" xmlns:p="http://schemas.openxmlformats.org/presentationml/2006/main" showSpecialPlsOnTitleSld="0">
   <p:sldMasterIdLst>
     <p:sldMasterId id="2147483648" r:id="rId1"/>
   </p:sldMasterIdLst>
   <p:notesMasterIdLst>
-    <p:notesMasterId r:id="rId2"/>
+    <p:notesMasterId r:id="rId3"/>
   </p:notesMasterIdLst>
   <p:sldIdLst>
-    <p:sldId id="320" r:id="rId3"/>
+    <p:sldId id="321" r:id="rId2"/>
   </p:sldIdLst>
   <p:sldSz cx="6858000" cy="5143500"/>
   <p:notesSz cx="6858000" cy="9144000"/>
@@ -137,11 +137,27 @@
       </a:defRPr>
     </a:lvl9pPr>
   </p:defaultTextStyle>
+  <p:extLst>
+    <p:ext uri="{EFAFB233-063F-42B5-8137-9DF3F51BA10A}">
+      <p15:sldGuideLst xmlns:p15="http://schemas.microsoft.com/office/powerpoint/2012/main">
+        <p15:guide id="1" orient="horz" pos="484">
+          <p15:clr>
+            <a:srgbClr val="A4A3A4"/>
+          </p15:clr>
+        </p15:guide>
+        <p15:guide id="2">
+          <p15:clr>
+            <a:srgbClr val="A4A3A4"/>
+          </p15:clr>
+        </p15:guide>
+      </p15:sldGuideLst>
+    </p:ext>
+  </p:extLst>
 </p:presentation>
 </file>
 
 <file path=ppt/notesMasters/notesMaster1.xml><?xml version="1.0" encoding="utf-8"?>
-<p:notesMaster xmlns:r="http://schemas.openxmlformats.org/officeDocument/2006/relationships" xmlns:c="http://schemas.openxmlformats.org/drawingml/2006/chart" xmlns:a="http://schemas.openxmlformats.org/drawingml/2006/main" xmlns:dgm="http://schemas.openxmlformats.org/drawingml/2006/diagram" xmlns:dsp="http://schemas.microsoft.com/office/drawing/2008/diagram" xmlns:p="http://schemas.openxmlformats.org/presentationml/2006/main">
+<p:notesMaster xmlns:a="http://schemas.openxmlformats.org/drawingml/2006/main" xmlns:r="http://schemas.openxmlformats.org/officeDocument/2006/relationships" xmlns:p="http://schemas.openxmlformats.org/presentationml/2006/main">
   <p:cSld>
     <p:bg>
       <p:bgRef idx="1001">
@@ -169,7 +185,7 @@
             <a:spLocks noGrp="1"/>
           </p:cNvSpPr>
           <p:nvPr>
-            <p:ph type="hdr" sz="quarter" idx="0"/>
+            <p:ph type="hdr" sz="quarter"/>
           </p:nvPr>
         </p:nvSpPr>
         <p:spPr>
@@ -231,7 +247,7 @@
               <a:pPr lvl="0">
                 <a:defRPr/>
               </a:pPr>
-              <a:t>2023-04-04</a:t>
+              <a:t>2023-04-05</a:t>
             </a:fld>
             <a:endParaRPr lang="ko-KR" altLang="en-US"/>
           </a:p>
@@ -303,7 +319,6 @@
               <a:rPr lang="ko-KR" altLang="en-US"/>
               <a:t>마스터 텍스트 스타일을 편집합니다</a:t>
             </a:r>
-            <a:endParaRPr lang="ko-KR" altLang="en-US"/>
           </a:p>
           <a:p>
             <a:pPr lvl="1">
@@ -313,7 +328,6 @@
               <a:rPr lang="ko-KR" altLang="en-US"/>
               <a:t>둘째 수준</a:t>
             </a:r>
-            <a:endParaRPr lang="ko-KR" altLang="en-US"/>
           </a:p>
           <a:p>
             <a:pPr lvl="2">
@@ -323,7 +337,6 @@
               <a:rPr lang="ko-KR" altLang="en-US"/>
               <a:t>셋째 수준</a:t>
             </a:r>
-            <a:endParaRPr lang="ko-KR" altLang="en-US"/>
           </a:p>
           <a:p>
             <a:pPr lvl="3">
@@ -333,7 +346,6 @@
               <a:rPr lang="ko-KR" altLang="en-US"/>
               <a:t>넷째 수준</a:t>
             </a:r>
-            <a:endParaRPr lang="ko-KR" altLang="en-US"/>
           </a:p>
           <a:p>
             <a:pPr lvl="4">
@@ -343,7 +355,6 @@
               <a:rPr lang="ko-KR" altLang="en-US"/>
               <a:t>다섯째 수준</a:t>
             </a:r>
-            <a:endParaRPr lang="ko-KR" altLang="en-US"/>
           </a:p>
         </p:txBody>
       </p:sp>
@@ -594,10 +605,9 @@
           <a:lstStyle/>
           <a:p>
             <a:r>
-              <a:rPr lang="ko-KR" altLang="en-US" smtClean="0"/>
+              <a:rPr lang="ko-KR" altLang="en-US"/>
               <a:t>마스터 제목 스타일 편집</a:t>
             </a:r>
-            <a:endParaRPr lang="ko-KR" altLang="en-US"/>
           </a:p>
         </p:txBody>
       </p:sp>
@@ -713,10 +723,9 @@
           </a:lstStyle>
           <a:p>
             <a:r>
-              <a:rPr lang="ko-KR" altLang="en-US" smtClean="0"/>
+              <a:rPr lang="ko-KR" altLang="en-US"/>
               <a:t>마스터 부제목 스타일 편집</a:t>
             </a:r>
-            <a:endParaRPr lang="ko-KR" altLang="en-US"/>
           </a:p>
         </p:txBody>
       </p:sp>
@@ -747,7 +756,7 @@
               <a:pPr>
                 <a:defRPr/>
               </a:pPr>
-              <a:t>2016-02-17</a:t>
+              <a:t>2023-04-05</a:t>
             </a:fld>
             <a:endParaRPr lang="ko-KR" altLang="en-US"/>
           </a:p>
@@ -858,10 +867,9 @@
           <a:lstStyle/>
           <a:p>
             <a:r>
-              <a:rPr lang="ko-KR" altLang="en-US" smtClean="0"/>
+              <a:rPr lang="ko-KR" altLang="en-US"/>
               <a:t>마스터 제목 스타일 편집</a:t>
             </a:r>
-            <a:endParaRPr lang="ko-KR" altLang="en-US"/>
           </a:p>
         </p:txBody>
       </p:sp>
@@ -882,38 +890,37 @@
           <a:p>
             <a:pPr lvl="0"/>
             <a:r>
-              <a:rPr lang="ko-KR" altLang="en-US" smtClean="0"/>
+              <a:rPr lang="ko-KR" altLang="en-US"/>
               <a:t>마스터 텍스트 스타일을 편집합니다</a:t>
             </a:r>
           </a:p>
           <a:p>
             <a:pPr lvl="1"/>
             <a:r>
-              <a:rPr lang="ko-KR" altLang="en-US" smtClean="0"/>
+              <a:rPr lang="ko-KR" altLang="en-US"/>
               <a:t>둘째 수준</a:t>
             </a:r>
           </a:p>
           <a:p>
             <a:pPr lvl="2"/>
             <a:r>
-              <a:rPr lang="ko-KR" altLang="en-US" smtClean="0"/>
+              <a:rPr lang="ko-KR" altLang="en-US"/>
               <a:t>셋째 수준</a:t>
             </a:r>
           </a:p>
           <a:p>
             <a:pPr lvl="3"/>
             <a:r>
-              <a:rPr lang="ko-KR" altLang="en-US" smtClean="0"/>
+              <a:rPr lang="ko-KR" altLang="en-US"/>
               <a:t>넷째 수준</a:t>
             </a:r>
           </a:p>
           <a:p>
             <a:pPr lvl="4"/>
             <a:r>
-              <a:rPr lang="ko-KR" altLang="en-US" smtClean="0"/>
+              <a:rPr lang="ko-KR" altLang="en-US"/>
               <a:t>다섯째 수준</a:t>
             </a:r>
-            <a:endParaRPr lang="ko-KR" altLang="en-US"/>
           </a:p>
         </p:txBody>
       </p:sp>
@@ -944,7 +951,7 @@
               <a:pPr>
                 <a:defRPr/>
               </a:pPr>
-              <a:t>2016-02-17</a:t>
+              <a:t>2023-04-05</a:t>
             </a:fld>
             <a:endParaRPr lang="ko-KR" altLang="en-US"/>
           </a:p>
@@ -1060,10 +1067,9 @@
           <a:lstStyle/>
           <a:p>
             <a:r>
-              <a:rPr lang="ko-KR" altLang="en-US" smtClean="0"/>
+              <a:rPr lang="ko-KR" altLang="en-US"/>
               <a:t>마스터 제목 스타일 편집</a:t>
             </a:r>
-            <a:endParaRPr lang="ko-KR" altLang="en-US"/>
           </a:p>
         </p:txBody>
       </p:sp>
@@ -1089,38 +1095,37 @@
           <a:p>
             <a:pPr lvl="0"/>
             <a:r>
-              <a:rPr lang="ko-KR" altLang="en-US" smtClean="0"/>
+              <a:rPr lang="ko-KR" altLang="en-US"/>
               <a:t>마스터 텍스트 스타일을 편집합니다</a:t>
             </a:r>
           </a:p>
           <a:p>
             <a:pPr lvl="1"/>
             <a:r>
-              <a:rPr lang="ko-KR" altLang="en-US" smtClean="0"/>
+              <a:rPr lang="ko-KR" altLang="en-US"/>
               <a:t>둘째 수준</a:t>
             </a:r>
           </a:p>
           <a:p>
             <a:pPr lvl="2"/>
             <a:r>
-              <a:rPr lang="ko-KR" altLang="en-US" smtClean="0"/>
+              <a:rPr lang="ko-KR" altLang="en-US"/>
               <a:t>셋째 수준</a:t>
             </a:r>
           </a:p>
           <a:p>
             <a:pPr lvl="3"/>
             <a:r>
-              <a:rPr lang="ko-KR" altLang="en-US" smtClean="0"/>
+              <a:rPr lang="ko-KR" altLang="en-US"/>
               <a:t>넷째 수준</a:t>
             </a:r>
           </a:p>
           <a:p>
             <a:pPr lvl="4"/>
             <a:r>
-              <a:rPr lang="ko-KR" altLang="en-US" smtClean="0"/>
+              <a:rPr lang="ko-KR" altLang="en-US"/>
               <a:t>다섯째 수준</a:t>
             </a:r>
-            <a:endParaRPr lang="ko-KR" altLang="en-US"/>
           </a:p>
         </p:txBody>
       </p:sp>
@@ -1151,7 +1156,7 @@
               <a:pPr>
                 <a:defRPr/>
               </a:pPr>
-              <a:t>2016-02-17</a:t>
+              <a:t>2023-04-05</a:t>
             </a:fld>
             <a:endParaRPr lang="ko-KR" altLang="en-US"/>
           </a:p>
@@ -1262,10 +1267,9 @@
           <a:lstStyle/>
           <a:p>
             <a:r>
-              <a:rPr lang="ko-KR" altLang="en-US" smtClean="0"/>
+              <a:rPr lang="ko-KR" altLang="en-US"/>
               <a:t>마스터 제목 스타일 편집</a:t>
             </a:r>
-            <a:endParaRPr lang="ko-KR" altLang="en-US"/>
           </a:p>
         </p:txBody>
       </p:sp>
@@ -1286,38 +1290,37 @@
           <a:p>
             <a:pPr lvl="0"/>
             <a:r>
-              <a:rPr lang="ko-KR" altLang="en-US" smtClean="0"/>
+              <a:rPr lang="ko-KR" altLang="en-US"/>
               <a:t>마스터 텍스트 스타일을 편집합니다</a:t>
             </a:r>
           </a:p>
           <a:p>
             <a:pPr lvl="1"/>
             <a:r>
-              <a:rPr lang="ko-KR" altLang="en-US" smtClean="0"/>
+              <a:rPr lang="ko-KR" altLang="en-US"/>
               <a:t>둘째 수준</a:t>
             </a:r>
           </a:p>
           <a:p>
             <a:pPr lvl="2"/>
             <a:r>
-              <a:rPr lang="ko-KR" altLang="en-US" smtClean="0"/>
+              <a:rPr lang="ko-KR" altLang="en-US"/>
               <a:t>셋째 수준</a:t>
             </a:r>
           </a:p>
           <a:p>
             <a:pPr lvl="3"/>
             <a:r>
-              <a:rPr lang="ko-KR" altLang="en-US" smtClean="0"/>
+              <a:rPr lang="ko-KR" altLang="en-US"/>
               <a:t>넷째 수준</a:t>
             </a:r>
           </a:p>
           <a:p>
             <a:pPr lvl="4"/>
             <a:r>
-              <a:rPr lang="ko-KR" altLang="en-US" smtClean="0"/>
+              <a:rPr lang="ko-KR" altLang="en-US"/>
               <a:t>다섯째 수준</a:t>
             </a:r>
-            <a:endParaRPr lang="ko-KR" altLang="en-US"/>
           </a:p>
         </p:txBody>
       </p:sp>
@@ -1348,7 +1351,7 @@
               <a:pPr>
                 <a:defRPr/>
               </a:pPr>
-              <a:t>2016-02-17</a:t>
+              <a:t>2023-04-05</a:t>
             </a:fld>
             <a:endParaRPr lang="ko-KR" altLang="en-US"/>
           </a:p>
@@ -1468,10 +1471,9 @@
           </a:lstStyle>
           <a:p>
             <a:r>
-              <a:rPr lang="ko-KR" altLang="en-US" smtClean="0"/>
+              <a:rPr lang="ko-KR" altLang="en-US"/>
               <a:t>마스터 제목 스타일 편집</a:t>
             </a:r>
-            <a:endParaRPr lang="ko-KR" altLang="en-US"/>
           </a:p>
         </p:txBody>
       </p:sp>
@@ -1588,7 +1590,7 @@
           <a:p>
             <a:pPr lvl="0"/>
             <a:r>
-              <a:rPr lang="ko-KR" altLang="en-US" smtClean="0"/>
+              <a:rPr lang="ko-KR" altLang="en-US"/>
               <a:t>마스터 텍스트 스타일을 편집합니다</a:t>
             </a:r>
           </a:p>
@@ -1621,7 +1623,7 @@
               <a:pPr>
                 <a:defRPr/>
               </a:pPr>
-              <a:t>2016-02-17</a:t>
+              <a:t>2023-04-05</a:t>
             </a:fld>
             <a:endParaRPr lang="ko-KR" altLang="en-US"/>
           </a:p>
@@ -1732,10 +1734,9 @@
           <a:lstStyle/>
           <a:p>
             <a:r>
-              <a:rPr lang="ko-KR" altLang="en-US" smtClean="0"/>
+              <a:rPr lang="ko-KR" altLang="en-US"/>
               <a:t>마스터 제목 스타일 편집</a:t>
             </a:r>
-            <a:endParaRPr lang="ko-KR" altLang="en-US"/>
           </a:p>
         </p:txBody>
       </p:sp>
@@ -1789,38 +1790,37 @@
           <a:p>
             <a:pPr lvl="0"/>
             <a:r>
-              <a:rPr lang="ko-KR" altLang="en-US" smtClean="0"/>
+              <a:rPr lang="ko-KR" altLang="en-US"/>
               <a:t>마스터 텍스트 스타일을 편집합니다</a:t>
             </a:r>
           </a:p>
           <a:p>
             <a:pPr lvl="1"/>
             <a:r>
-              <a:rPr lang="ko-KR" altLang="en-US" smtClean="0"/>
+              <a:rPr lang="ko-KR" altLang="en-US"/>
               <a:t>둘째 수준</a:t>
             </a:r>
           </a:p>
           <a:p>
             <a:pPr lvl="2"/>
             <a:r>
-              <a:rPr lang="ko-KR" altLang="en-US" smtClean="0"/>
+              <a:rPr lang="ko-KR" altLang="en-US"/>
               <a:t>셋째 수준</a:t>
             </a:r>
           </a:p>
           <a:p>
             <a:pPr lvl="3"/>
             <a:r>
-              <a:rPr lang="ko-KR" altLang="en-US" smtClean="0"/>
+              <a:rPr lang="ko-KR" altLang="en-US"/>
               <a:t>넷째 수준</a:t>
             </a:r>
           </a:p>
           <a:p>
             <a:pPr lvl="4"/>
             <a:r>
-              <a:rPr lang="ko-KR" altLang="en-US" smtClean="0"/>
+              <a:rPr lang="ko-KR" altLang="en-US"/>
               <a:t>다섯째 수준</a:t>
             </a:r>
-            <a:endParaRPr lang="ko-KR" altLang="en-US"/>
           </a:p>
         </p:txBody>
       </p:sp>
@@ -1874,38 +1874,37 @@
           <a:p>
             <a:pPr lvl="0"/>
             <a:r>
-              <a:rPr lang="ko-KR" altLang="en-US" smtClean="0"/>
+              <a:rPr lang="ko-KR" altLang="en-US"/>
               <a:t>마스터 텍스트 스타일을 편집합니다</a:t>
             </a:r>
           </a:p>
           <a:p>
             <a:pPr lvl="1"/>
             <a:r>
-              <a:rPr lang="ko-KR" altLang="en-US" smtClean="0"/>
+              <a:rPr lang="ko-KR" altLang="en-US"/>
               <a:t>둘째 수준</a:t>
             </a:r>
           </a:p>
           <a:p>
             <a:pPr lvl="2"/>
             <a:r>
-              <a:rPr lang="ko-KR" altLang="en-US" smtClean="0"/>
+              <a:rPr lang="ko-KR" altLang="en-US"/>
               <a:t>셋째 수준</a:t>
             </a:r>
           </a:p>
           <a:p>
             <a:pPr lvl="3"/>
             <a:r>
-              <a:rPr lang="ko-KR" altLang="en-US" smtClean="0"/>
+              <a:rPr lang="ko-KR" altLang="en-US"/>
               <a:t>넷째 수준</a:t>
             </a:r>
           </a:p>
           <a:p>
             <a:pPr lvl="4"/>
             <a:r>
-              <a:rPr lang="ko-KR" altLang="en-US" smtClean="0"/>
+              <a:rPr lang="ko-KR" altLang="en-US"/>
               <a:t>다섯째 수준</a:t>
             </a:r>
-            <a:endParaRPr lang="ko-KR" altLang="en-US"/>
           </a:p>
         </p:txBody>
       </p:sp>
@@ -1936,7 +1935,7 @@
               <a:pPr>
                 <a:defRPr/>
               </a:pPr>
-              <a:t>2016-02-17</a:t>
+              <a:t>2023-04-05</a:t>
             </a:fld>
             <a:endParaRPr lang="ko-KR" altLang="en-US"/>
           </a:p>
@@ -2051,10 +2050,9 @@
           </a:lstStyle>
           <a:p>
             <a:r>
-              <a:rPr lang="ko-KR" altLang="en-US" smtClean="0"/>
+              <a:rPr lang="ko-KR" altLang="en-US"/>
               <a:t>마스터 제목 스타일 편집</a:t>
             </a:r>
-            <a:endParaRPr lang="ko-KR" altLang="en-US"/>
           </a:p>
         </p:txBody>
       </p:sp>
@@ -2117,7 +2115,7 @@
           <a:p>
             <a:pPr lvl="0"/>
             <a:r>
-              <a:rPr lang="ko-KR" altLang="en-US" smtClean="0"/>
+              <a:rPr lang="ko-KR" altLang="en-US"/>
               <a:t>마스터 텍스트 스타일을 편집합니다</a:t>
             </a:r>
           </a:p>
@@ -2173,38 +2171,37 @@
           <a:p>
             <a:pPr lvl="0"/>
             <a:r>
-              <a:rPr lang="ko-KR" altLang="en-US" smtClean="0"/>
+              <a:rPr lang="ko-KR" altLang="en-US"/>
               <a:t>마스터 텍스트 스타일을 편집합니다</a:t>
             </a:r>
           </a:p>
           <a:p>
             <a:pPr lvl="1"/>
             <a:r>
-              <a:rPr lang="ko-KR" altLang="en-US" smtClean="0"/>
+              <a:rPr lang="ko-KR" altLang="en-US"/>
               <a:t>둘째 수준</a:t>
             </a:r>
           </a:p>
           <a:p>
             <a:pPr lvl="2"/>
             <a:r>
-              <a:rPr lang="ko-KR" altLang="en-US" smtClean="0"/>
+              <a:rPr lang="ko-KR" altLang="en-US"/>
               <a:t>셋째 수준</a:t>
             </a:r>
           </a:p>
           <a:p>
             <a:pPr lvl="3"/>
             <a:r>
-              <a:rPr lang="ko-KR" altLang="en-US" smtClean="0"/>
+              <a:rPr lang="ko-KR" altLang="en-US"/>
               <a:t>넷째 수준</a:t>
             </a:r>
           </a:p>
           <a:p>
             <a:pPr lvl="4"/>
             <a:r>
-              <a:rPr lang="ko-KR" altLang="en-US" smtClean="0"/>
+              <a:rPr lang="ko-KR" altLang="en-US"/>
               <a:t>다섯째 수준</a:t>
             </a:r>
-            <a:endParaRPr lang="ko-KR" altLang="en-US"/>
           </a:p>
         </p:txBody>
       </p:sp>
@@ -2267,7 +2264,7 @@
           <a:p>
             <a:pPr lvl="0"/>
             <a:r>
-              <a:rPr lang="ko-KR" altLang="en-US" smtClean="0"/>
+              <a:rPr lang="ko-KR" altLang="en-US"/>
               <a:t>마스터 텍스트 스타일을 편집합니다</a:t>
             </a:r>
           </a:p>
@@ -2323,38 +2320,37 @@
           <a:p>
             <a:pPr lvl="0"/>
             <a:r>
-              <a:rPr lang="ko-KR" altLang="en-US" smtClean="0"/>
+              <a:rPr lang="ko-KR" altLang="en-US"/>
               <a:t>마스터 텍스트 스타일을 편집합니다</a:t>
             </a:r>
           </a:p>
           <a:p>
             <a:pPr lvl="1"/>
             <a:r>
-              <a:rPr lang="ko-KR" altLang="en-US" smtClean="0"/>
+              <a:rPr lang="ko-KR" altLang="en-US"/>
               <a:t>둘째 수준</a:t>
             </a:r>
           </a:p>
           <a:p>
             <a:pPr lvl="2"/>
             <a:r>
-              <a:rPr lang="ko-KR" altLang="en-US" smtClean="0"/>
+              <a:rPr lang="ko-KR" altLang="en-US"/>
               <a:t>셋째 수준</a:t>
             </a:r>
           </a:p>
           <a:p>
             <a:pPr lvl="3"/>
             <a:r>
-              <a:rPr lang="ko-KR" altLang="en-US" smtClean="0"/>
+              <a:rPr lang="ko-KR" altLang="en-US"/>
               <a:t>넷째 수준</a:t>
             </a:r>
           </a:p>
           <a:p>
             <a:pPr lvl="4"/>
             <a:r>
-              <a:rPr lang="ko-KR" altLang="en-US" smtClean="0"/>
+              <a:rPr lang="ko-KR" altLang="en-US"/>
               <a:t>다섯째 수준</a:t>
             </a:r>
-            <a:endParaRPr lang="ko-KR" altLang="en-US"/>
           </a:p>
         </p:txBody>
       </p:sp>
@@ -2385,7 +2381,7 @@
               <a:pPr>
                 <a:defRPr/>
               </a:pPr>
-              <a:t>2016-02-17</a:t>
+              <a:t>2023-04-05</a:t>
             </a:fld>
             <a:endParaRPr lang="ko-KR" altLang="en-US"/>
           </a:p>
@@ -2496,10 +2492,9 @@
           <a:lstStyle/>
           <a:p>
             <a:r>
-              <a:rPr lang="ko-KR" altLang="en-US" smtClean="0"/>
+              <a:rPr lang="ko-KR" altLang="en-US"/>
               <a:t>마스터 제목 스타일 편집</a:t>
             </a:r>
-            <a:endParaRPr lang="ko-KR" altLang="en-US"/>
           </a:p>
         </p:txBody>
       </p:sp>
@@ -2530,7 +2525,7 @@
               <a:pPr>
                 <a:defRPr/>
               </a:pPr>
-              <a:t>2016-02-17</a:t>
+              <a:t>2023-04-05</a:t>
             </a:fld>
             <a:endParaRPr lang="ko-KR" altLang="en-US"/>
           </a:p>
@@ -2652,7 +2647,7 @@
               <a:pPr>
                 <a:defRPr/>
               </a:pPr>
-              <a:t>2016-02-17</a:t>
+              <a:t>2023-04-05</a:t>
             </a:fld>
             <a:endParaRPr lang="ko-KR" altLang="en-US"/>
           </a:p>
@@ -2772,10 +2767,9 @@
           </a:lstStyle>
           <a:p>
             <a:r>
-              <a:rPr lang="ko-KR" altLang="en-US" smtClean="0"/>
+              <a:rPr lang="ko-KR" altLang="en-US"/>
               <a:t>마스터 제목 스타일 편집</a:t>
             </a:r>
-            <a:endParaRPr lang="ko-KR" altLang="en-US"/>
           </a:p>
         </p:txBody>
       </p:sp>
@@ -2829,38 +2823,37 @@
           <a:p>
             <a:pPr lvl="0"/>
             <a:r>
-              <a:rPr lang="ko-KR" altLang="en-US" smtClean="0"/>
+              <a:rPr lang="ko-KR" altLang="en-US"/>
               <a:t>마스터 텍스트 스타일을 편집합니다</a:t>
             </a:r>
           </a:p>
           <a:p>
             <a:pPr lvl="1"/>
             <a:r>
-              <a:rPr lang="ko-KR" altLang="en-US" smtClean="0"/>
+              <a:rPr lang="ko-KR" altLang="en-US"/>
               <a:t>둘째 수준</a:t>
             </a:r>
           </a:p>
           <a:p>
             <a:pPr lvl="2"/>
             <a:r>
-              <a:rPr lang="ko-KR" altLang="en-US" smtClean="0"/>
+              <a:rPr lang="ko-KR" altLang="en-US"/>
               <a:t>셋째 수준</a:t>
             </a:r>
           </a:p>
           <a:p>
             <a:pPr lvl="3"/>
             <a:r>
-              <a:rPr lang="ko-KR" altLang="en-US" smtClean="0"/>
+              <a:rPr lang="ko-KR" altLang="en-US"/>
               <a:t>넷째 수준</a:t>
             </a:r>
           </a:p>
           <a:p>
             <a:pPr lvl="4"/>
             <a:r>
-              <a:rPr lang="ko-KR" altLang="en-US" smtClean="0"/>
+              <a:rPr lang="ko-KR" altLang="en-US"/>
               <a:t>다섯째 수준</a:t>
             </a:r>
-            <a:endParaRPr lang="ko-KR" altLang="en-US"/>
           </a:p>
         </p:txBody>
       </p:sp>
@@ -2923,7 +2916,7 @@
           <a:p>
             <a:pPr lvl="0"/>
             <a:r>
-              <a:rPr lang="ko-KR" altLang="en-US" smtClean="0"/>
+              <a:rPr lang="ko-KR" altLang="en-US"/>
               <a:t>마스터 텍스트 스타일을 편집합니다</a:t>
             </a:r>
           </a:p>
@@ -2956,7 +2949,7 @@
               <a:pPr>
                 <a:defRPr/>
               </a:pPr>
-              <a:t>2016-02-17</a:t>
+              <a:t>2023-04-05</a:t>
             </a:fld>
             <a:endParaRPr lang="ko-KR" altLang="en-US"/>
           </a:p>
@@ -3076,10 +3069,9 @@
           </a:lstStyle>
           <a:p>
             <a:r>
-              <a:rPr lang="ko-KR" altLang="en-US" smtClean="0"/>
+              <a:rPr lang="ko-KR" altLang="en-US"/>
               <a:t>마스터 제목 스타일 편집</a:t>
             </a:r>
-            <a:endParaRPr lang="ko-KR" altLang="en-US"/>
           </a:p>
         </p:txBody>
       </p:sp>
@@ -3206,7 +3198,7 @@
           <a:p>
             <a:pPr lvl="0"/>
             <a:r>
-              <a:rPr lang="ko-KR" altLang="en-US" smtClean="0"/>
+              <a:rPr lang="ko-KR" altLang="en-US"/>
               <a:t>마스터 텍스트 스타일을 편집합니다</a:t>
             </a:r>
           </a:p>
@@ -3239,7 +3231,7 @@
               <a:pPr>
                 <a:defRPr/>
               </a:pPr>
-              <a:t>2016-02-17</a:t>
+              <a:t>2023-04-05</a:t>
             </a:fld>
             <a:endParaRPr lang="ko-KR" altLang="en-US"/>
           </a:p>
@@ -3394,7 +3386,7 @@
           <a:p>
             <a:pPr lvl="0"/>
             <a:r>
-              <a:rPr lang="ko-KR" altLang="en-US" dirty="0" smtClean="0"/>
+              <a:rPr lang="ko-KR" altLang="en-US" dirty="0"/>
               <a:t>마스터 제목 스타일 편집</a:t>
             </a:r>
           </a:p>
@@ -3452,35 +3444,35 @@
           <a:p>
             <a:pPr lvl="0"/>
             <a:r>
-              <a:rPr lang="ko-KR" altLang="en-US" dirty="0" smtClean="0"/>
+              <a:rPr lang="ko-KR" altLang="en-US" dirty="0"/>
               <a:t>마스터 텍스트 스타일을 편집합니다</a:t>
             </a:r>
           </a:p>
           <a:p>
             <a:pPr lvl="1"/>
             <a:r>
-              <a:rPr lang="ko-KR" altLang="en-US" dirty="0" smtClean="0"/>
+              <a:rPr lang="ko-KR" altLang="en-US" dirty="0"/>
               <a:t>둘째 수준</a:t>
             </a:r>
           </a:p>
           <a:p>
             <a:pPr lvl="2"/>
             <a:r>
-              <a:rPr lang="ko-KR" altLang="en-US" dirty="0" smtClean="0"/>
+              <a:rPr lang="ko-KR" altLang="en-US" dirty="0"/>
               <a:t>셋째 수준</a:t>
             </a:r>
           </a:p>
           <a:p>
             <a:pPr lvl="3"/>
             <a:r>
-              <a:rPr lang="ko-KR" altLang="en-US" dirty="0" smtClean="0"/>
+              <a:rPr lang="ko-KR" altLang="en-US" dirty="0"/>
               <a:t>넷째 수준</a:t>
             </a:r>
           </a:p>
           <a:p>
             <a:pPr lvl="4"/>
             <a:r>
-              <a:rPr lang="ko-KR" altLang="en-US" dirty="0" smtClean="0"/>
+              <a:rPr lang="ko-KR" altLang="en-US" dirty="0"/>
               <a:t>다섯째 수준</a:t>
             </a:r>
           </a:p>
@@ -3535,7 +3527,7 @@
               <a:pPr>
                 <a:defRPr/>
               </a:pPr>
-              <a:t>2016-02-17</a:t>
+              <a:t>2023-04-05</a:t>
             </a:fld>
             <a:endParaRPr lang="ko-KR" altLang="en-US" dirty="0"/>
           </a:p>
@@ -4052,7 +4044,7 @@
 </file>
 
 <file path=ppt/slides/slide1.xml><?xml version="1.0" encoding="utf-8"?>
-<p:sld xmlns:r="http://schemas.openxmlformats.org/officeDocument/2006/relationships" xmlns:c="http://schemas.openxmlformats.org/drawingml/2006/chart" xmlns:a="http://schemas.openxmlformats.org/drawingml/2006/main" xmlns:dgm="http://schemas.openxmlformats.org/drawingml/2006/diagram" xmlns:dsp="http://schemas.microsoft.com/office/drawing/2008/diagram" xmlns:p="http://schemas.openxmlformats.org/presentationml/2006/main">
+<p:sld xmlns:a="http://schemas.openxmlformats.org/drawingml/2006/main" xmlns:r="http://schemas.openxmlformats.org/officeDocument/2006/relationships" xmlns:p="http://schemas.openxmlformats.org/presentationml/2006/main">
   <p:cSld>
     <p:spTree>
       <p:nvGrpSpPr>
@@ -4078,24 +4070,67 @@
         </p:nvGraphicFramePr>
         <p:xfrm>
           <a:off x="239316" y="1144192"/>
-          <a:ext cx="6379369" cy="3668265"/>
+          <a:ext cx="6379369" cy="3668263"/>
         </p:xfrm>
         <a:graphic>
           <a:graphicData uri="http://schemas.openxmlformats.org/drawingml/2006/table">
             <a:tbl>
+              <a:tblPr/>
               <a:tblGrid>
-                <a:gridCol w="907256"/>
-                <a:gridCol w="916781"/>
-                <a:gridCol w="912019"/>
-                <a:gridCol w="907256"/>
-                <a:gridCol w="894159"/>
-                <a:gridCol w="977504"/>
-                <a:gridCol w="864394"/>
+                <a:gridCol w="907256">
+                  <a:extLst>
+                    <a:ext uri="{9D8B030D-6E8A-4147-A177-3AD203B41FA5}">
+                      <a16:colId xmlns:a16="http://schemas.microsoft.com/office/drawing/2014/main" val="20000"/>
+                    </a:ext>
+                  </a:extLst>
+                </a:gridCol>
+                <a:gridCol w="916781">
+                  <a:extLst>
+                    <a:ext uri="{9D8B030D-6E8A-4147-A177-3AD203B41FA5}">
+                      <a16:colId xmlns:a16="http://schemas.microsoft.com/office/drawing/2014/main" val="20001"/>
+                    </a:ext>
+                  </a:extLst>
+                </a:gridCol>
+                <a:gridCol w="912019">
+                  <a:extLst>
+                    <a:ext uri="{9D8B030D-6E8A-4147-A177-3AD203B41FA5}">
+                      <a16:colId xmlns:a16="http://schemas.microsoft.com/office/drawing/2014/main" val="20002"/>
+                    </a:ext>
+                  </a:extLst>
+                </a:gridCol>
+                <a:gridCol w="907256">
+                  <a:extLst>
+                    <a:ext uri="{9D8B030D-6E8A-4147-A177-3AD203B41FA5}">
+                      <a16:colId xmlns:a16="http://schemas.microsoft.com/office/drawing/2014/main" val="20003"/>
+                    </a:ext>
+                  </a:extLst>
+                </a:gridCol>
+                <a:gridCol w="894159">
+                  <a:extLst>
+                    <a:ext uri="{9D8B030D-6E8A-4147-A177-3AD203B41FA5}">
+                      <a16:colId xmlns:a16="http://schemas.microsoft.com/office/drawing/2014/main" val="20004"/>
+                    </a:ext>
+                  </a:extLst>
+                </a:gridCol>
+                <a:gridCol w="977504">
+                  <a:extLst>
+                    <a:ext uri="{9D8B030D-6E8A-4147-A177-3AD203B41FA5}">
+                      <a16:colId xmlns:a16="http://schemas.microsoft.com/office/drawing/2014/main" val="20005"/>
+                    </a:ext>
+                  </a:extLst>
+                </a:gridCol>
+                <a:gridCol w="864394">
+                  <a:extLst>
+                    <a:ext uri="{9D8B030D-6E8A-4147-A177-3AD203B41FA5}">
+                      <a16:colId xmlns:a16="http://schemas.microsoft.com/office/drawing/2014/main" val="20006"/>
+                    </a:ext>
+                  </a:extLst>
+                </a:gridCol>
               </a:tblGrid>
               <a:tr h="216000">
                 <a:tc>
                   <a:txBody>
-                    <a:bodyPr vert="horz" lIns="68580" tIns="25718" rIns="68580" bIns="25718" anchor="ctr" anchorCtr="0"/>
+                    <a:bodyPr/>
                     <a:lstStyle>
                       <a:lvl1pPr eaLnBrk="0" hangingPunct="0">
                         <a:spcBef>
@@ -4246,7 +4281,7 @@
                       <a:r>
                         <a:rPr kumimoji="1" lang="en-US" altLang="ko-KR" sz="800" b="1" i="0" u="none" strike="noStrike" cap="none" normalizeH="0" baseline="0">
                           <a:solidFill>
-                            <a:srgbClr val="c00000"/>
+                            <a:srgbClr val="C00000"/>
                           </a:solidFill>
                           <a:effectLst/>
                           <a:latin typeface="나눔바른고딕"/>
@@ -4257,7 +4292,7 @@
                       </a:r>
                       <a:endParaRPr kumimoji="1" lang="en-US" altLang="ko-KR" sz="800" b="1" i="0" u="none" strike="noStrike" cap="none" normalizeH="0" baseline="0">
                         <a:solidFill>
-                          <a:srgbClr val="c00000"/>
+                          <a:srgbClr val="C00000"/>
                         </a:solidFill>
                         <a:latin typeface="나눔바른고딕"/>
                         <a:ea typeface="나눔바른고딕"/>
@@ -4326,7 +4361,7 @@
                 </a:tc>
                 <a:tc>
                   <a:txBody>
-                    <a:bodyPr vert="horz" lIns="68580" tIns="25718" rIns="68580" bIns="25718" anchor="ctr" anchorCtr="0"/>
+                    <a:bodyPr/>
                     <a:lstStyle>
                       <a:lvl1pPr eaLnBrk="0" hangingPunct="0">
                         <a:spcBef>
@@ -4563,7 +4598,7 @@
                 </a:tc>
                 <a:tc>
                   <a:txBody>
-                    <a:bodyPr vert="horz" lIns="68580" tIns="25718" rIns="68580" bIns="25718" anchor="ctr" anchorCtr="0"/>
+                    <a:bodyPr/>
                     <a:lstStyle>
                       <a:lvl1pPr eaLnBrk="0" hangingPunct="0">
                         <a:spcBef>
@@ -4800,7 +4835,7 @@
                 </a:tc>
                 <a:tc>
                   <a:txBody>
-                    <a:bodyPr vert="horz" lIns="68580" tIns="25718" rIns="68580" bIns="25718" anchor="ctr" anchorCtr="0"/>
+                    <a:bodyPr/>
                     <a:lstStyle>
                       <a:lvl1pPr eaLnBrk="0" hangingPunct="0">
                         <a:spcBef>
@@ -5037,7 +5072,7 @@
                 </a:tc>
                 <a:tc>
                   <a:txBody>
-                    <a:bodyPr vert="horz" lIns="68580" tIns="25718" rIns="68580" bIns="25718" anchor="ctr" anchorCtr="0"/>
+                    <a:bodyPr/>
                     <a:lstStyle>
                       <a:lvl1pPr eaLnBrk="0" hangingPunct="0">
                         <a:spcBef>
@@ -5274,7 +5309,7 @@
                 </a:tc>
                 <a:tc>
                   <a:txBody>
-                    <a:bodyPr vert="horz" lIns="68580" tIns="25718" rIns="68580" bIns="25718" anchor="ctr" anchorCtr="0"/>
+                    <a:bodyPr/>
                     <a:lstStyle>
                       <a:lvl1pPr eaLnBrk="0" hangingPunct="0">
                         <a:spcBef>
@@ -5511,7 +5546,7 @@
                 </a:tc>
                 <a:tc>
                   <a:txBody>
-                    <a:bodyPr vert="horz" lIns="68580" tIns="25718" rIns="68580" bIns="25718" anchor="ctr" anchorCtr="0"/>
+                    <a:bodyPr/>
                     <a:lstStyle>
                       <a:lvl1pPr eaLnBrk="0" hangingPunct="0">
                         <a:spcBef>
@@ -5740,11 +5775,16 @@
                     </a:solidFill>
                   </a:tcPr>
                 </a:tc>
+                <a:extLst>
+                  <a:ext uri="{0D108BD9-81ED-4DB2-BD59-A6C34878D82A}">
+                    <a16:rowId xmlns:a16="http://schemas.microsoft.com/office/drawing/2014/main" val="10000"/>
+                  </a:ext>
+                </a:extLst>
               </a:tr>
               <a:tr h="456536">
                 <a:tc>
                   <a:txBody>
-                    <a:bodyPr vert="horz" lIns="68580" tIns="25718" rIns="68580" bIns="25718" anchor="t" anchorCtr="0"/>
+                    <a:bodyPr/>
                     <a:lstStyle>
                       <a:lvl1pPr eaLnBrk="0" hangingPunct="0">
                         <a:spcBef>
@@ -5894,7 +5934,7 @@
                       </a:pPr>
                       <a:endParaRPr kumimoji="0" lang="en-US" altLang="ko-KR" sz="600" b="0" i="0" u="none" strike="noStrike" cap="none" normalizeH="0" baseline="0">
                         <a:solidFill>
-                          <a:srgbClr val="ff0000"/>
+                          <a:srgbClr val="FF0000"/>
                         </a:solidFill>
                         <a:effectLst/>
                         <a:latin typeface="나눔바른고딕"/>
@@ -5959,7 +5999,7 @@
                 </a:tc>
                 <a:tc>
                   <a:txBody>
-                    <a:bodyPr vert="horz" lIns="68580" tIns="25718" rIns="68580" bIns="25718" anchor="t" anchorCtr="0"/>
+                    <a:bodyPr/>
                     <a:lstStyle>
                       <a:lvl1pPr eaLnBrk="0" hangingPunct="0">
                         <a:spcBef>
@@ -6174,7 +6214,7 @@
                 </a:tc>
                 <a:tc>
                   <a:txBody>
-                    <a:bodyPr vert="horz" lIns="68580" tIns="25718" rIns="68580" bIns="25718" anchor="t" anchorCtr="0"/>
+                    <a:bodyPr/>
                     <a:lstStyle>
                       <a:lvl1pPr eaLnBrk="0" hangingPunct="0">
                         <a:spcBef>
@@ -6358,15 +6398,6 @@
                         </a:rPr>
                         <a:t>START DAY</a:t>
                       </a:r>
-                      <a:endParaRPr kumimoji="0" lang="en-US" altLang="ko-KR" sz="700" b="0" i="0" u="none" strike="noStrike" cap="none" normalizeH="0" baseline="0">
-                        <a:solidFill>
-                          <a:schemeClr val="tx1"/>
-                        </a:solidFill>
-                        <a:effectLst/>
-                        <a:latin typeface="나눔바른고딕"/>
-                        <a:ea typeface="나눔바른고딕"/>
-                        <a:cs typeface="+mn-cs"/>
-                      </a:endParaRPr>
                     </a:p>
                   </a:txBody>
                   <a:tcPr marL="68580" marR="68580" marT="25718" marB="25718" horzOverflow="overflow">
@@ -6425,7 +6456,7 @@
                 </a:tc>
                 <a:tc>
                   <a:txBody>
-                    <a:bodyPr vert="horz" lIns="68580" tIns="25718" rIns="68580" bIns="25718" anchor="t" anchorCtr="0"/>
+                    <a:bodyPr/>
                     <a:lstStyle>
                       <a:lvl1pPr eaLnBrk="0" hangingPunct="0">
                         <a:spcBef>
@@ -6588,18 +6619,6 @@
                         </a:rPr>
                         <a:t>22</a:t>
                       </a:r>
-                      <a:endParaRPr kumimoji="0" lang="en-US" altLang="ko-KR" sz="800" i="0" u="none" strike="noStrike" cap="none" normalizeH="0" baseline="0">
-                        <a:solidFill>
-                          <a:schemeClr val="tx1">
-                            <a:lumMod val="95000"/>
-                            <a:lumOff val="5000"/>
-                          </a:schemeClr>
-                        </a:solidFill>
-                        <a:effectLst/>
-                        <a:latin typeface="나눔바른고딕"/>
-                        <a:ea typeface="나눔바른고딕"/>
-                        <a:cs typeface="+mn-cs"/>
-                      </a:endParaRPr>
                     </a:p>
                   </a:txBody>
                   <a:tcPr marL="68580" marR="68580" marT="25718" marB="25718" horzOverflow="overflow">
@@ -6658,7 +6677,7 @@
                 </a:tc>
                 <a:tc>
                   <a:txBody>
-                    <a:bodyPr vert="horz" lIns="68580" tIns="25718" rIns="68580" bIns="25718" anchor="t" anchorCtr="0"/>
+                    <a:bodyPr/>
                     <a:lstStyle>
                       <a:lvl1pPr eaLnBrk="0" hangingPunct="0">
                         <a:spcBef>
@@ -6821,18 +6840,6 @@
                         </a:rPr>
                         <a:t>23</a:t>
                       </a:r>
-                      <a:endParaRPr kumimoji="0" lang="en-US" altLang="ko-KR" sz="800" i="0" u="none" strike="noStrike" cap="none" normalizeH="0" baseline="0">
-                        <a:solidFill>
-                          <a:schemeClr val="tx1">
-                            <a:lumMod val="95000"/>
-                            <a:lumOff val="5000"/>
-                          </a:schemeClr>
-                        </a:solidFill>
-                        <a:effectLst/>
-                        <a:latin typeface="나눔바른고딕"/>
-                        <a:ea typeface="나눔바른고딕"/>
-                        <a:cs typeface="+mn-cs"/>
-                      </a:endParaRPr>
                     </a:p>
                   </a:txBody>
                   <a:tcPr marL="68580" marR="68580" marT="25718" marB="25718" horzOverflow="overflow">
@@ -6891,7 +6898,7 @@
                 </a:tc>
                 <a:tc>
                   <a:txBody>
-                    <a:bodyPr vert="horz" lIns="68580" tIns="25718" rIns="68580" bIns="25718" anchor="t" anchorCtr="0"/>
+                    <a:bodyPr/>
                     <a:lstStyle>
                       <a:lvl1pPr eaLnBrk="0" hangingPunct="0">
                         <a:spcBef>
@@ -7054,18 +7061,6 @@
                         </a:rPr>
                         <a:t>24</a:t>
                       </a:r>
-                      <a:endParaRPr kumimoji="0" lang="en-US" altLang="ko-KR" sz="800" i="0" u="none" strike="noStrike" cap="none" normalizeH="0" baseline="0">
-                        <a:solidFill>
-                          <a:schemeClr val="tx1">
-                            <a:lumMod val="95000"/>
-                            <a:lumOff val="5000"/>
-                          </a:schemeClr>
-                        </a:solidFill>
-                        <a:effectLst/>
-                        <a:latin typeface="나눔바른고딕"/>
-                        <a:ea typeface="나눔바른고딕"/>
-                        <a:cs typeface="+mn-cs"/>
-                      </a:endParaRPr>
                     </a:p>
                   </a:txBody>
                   <a:tcPr marL="68580" marR="68580" marT="25718" marB="25718" horzOverflow="overflow">
@@ -7124,7 +7119,7 @@
                 </a:tc>
                 <a:tc>
                   <a:txBody>
-                    <a:bodyPr vert="horz" lIns="68580" tIns="25718" rIns="68580" bIns="25718" anchor="t" anchorCtr="0"/>
+                    <a:bodyPr/>
                     <a:lstStyle>
                       <a:lvl1pPr eaLnBrk="0" hangingPunct="0">
                         <a:spcBef>
@@ -7273,9 +7268,9 @@
                         <a:defRPr/>
                       </a:pPr>
                       <a:r>
-                        <a:rPr kumimoji="0" lang="en-US" altLang="ko-KR" sz="800" i="0" u="none" strike="noStrike" cap="none" normalizeH="0" baseline="0">
-                          <a:solidFill>
-                            <a:srgbClr val="0070c0"/>
+                        <a:rPr kumimoji="0" lang="en-US" altLang="ko-KR" sz="800" i="0" u="none" strike="noStrike" cap="none" normalizeH="0" baseline="0" dirty="0">
+                          <a:solidFill>
+                            <a:srgbClr val="0070C0"/>
                           </a:solidFill>
                           <a:effectLst/>
                           <a:latin typeface="나눔바른고딕"/>
@@ -7284,15 +7279,6 @@
                         </a:rPr>
                         <a:t>25</a:t>
                       </a:r>
-                      <a:endParaRPr kumimoji="0" lang="en-US" altLang="ko-KR" sz="800" i="0" u="none" strike="noStrike" cap="none" normalizeH="0" baseline="0">
-                        <a:solidFill>
-                          <a:srgbClr val="0070c0"/>
-                        </a:solidFill>
-                        <a:effectLst/>
-                        <a:latin typeface="나눔바른고딕"/>
-                        <a:ea typeface="나눔바른고딕"/>
-                        <a:cs typeface="+mn-cs"/>
-                      </a:endParaRPr>
                     </a:p>
                   </a:txBody>
                   <a:tcPr marL="68580" marR="68580" marT="25718" marB="25718" horzOverflow="overflow">
@@ -7349,11 +7335,16 @@
                     <a:noFill/>
                   </a:tcPr>
                 </a:tc>
+                <a:extLst>
+                  <a:ext uri="{0D108BD9-81ED-4DB2-BD59-A6C34878D82A}">
+                    <a16:rowId xmlns:a16="http://schemas.microsoft.com/office/drawing/2014/main" val="10001"/>
+                  </a:ext>
+                </a:extLst>
               </a:tr>
               <a:tr h="427961">
                 <a:tc>
                   <a:txBody>
-                    <a:bodyPr vert="horz" lIns="68580" tIns="25718" rIns="68580" bIns="25718" anchor="t" anchorCtr="0"/>
+                    <a:bodyPr/>
                     <a:lstStyle/>
                     <a:p>
                       <a:pPr marL="0" marR="0" lvl="0" indent="0" algn="l" defTabSz="914400" rtl="0" eaLnBrk="1" latinLnBrk="1" hangingPunct="1">
@@ -7374,7 +7365,7 @@
                       <a:r>
                         <a:rPr kumimoji="0" lang="en-US" altLang="ko-KR" sz="800" i="0" u="none" strike="noStrike" cap="none" normalizeH="0" baseline="0">
                           <a:solidFill>
-                            <a:srgbClr val="ff0000"/>
+                            <a:srgbClr val="FF0000"/>
                           </a:solidFill>
                           <a:effectLst/>
                           <a:latin typeface="나눔바른고딕"/>
@@ -7383,15 +7374,6 @@
                         </a:rPr>
                         <a:t>26</a:t>
                       </a:r>
-                      <a:endParaRPr kumimoji="0" lang="en-US" altLang="ko-KR" sz="800" i="0" u="none" strike="noStrike" cap="none" normalizeH="0" baseline="0">
-                        <a:solidFill>
-                          <a:srgbClr val="ff0000"/>
-                        </a:solidFill>
-                        <a:effectLst/>
-                        <a:latin typeface="나눔바른고딕"/>
-                        <a:ea typeface="나눔바른고딕"/>
-                        <a:cs typeface="+mn-cs"/>
-                      </a:endParaRPr>
                     </a:p>
                   </a:txBody>
                   <a:tcPr marL="68580" marR="68580" marT="25718" marB="25718" horzOverflow="overflow">
@@ -7450,7 +7432,7 @@
                 </a:tc>
                 <a:tc>
                   <a:txBody>
-                    <a:bodyPr vert="horz" lIns="68580" tIns="25718" rIns="68580" bIns="25718" anchor="t" anchorCtr="0"/>
+                    <a:bodyPr/>
                     <a:lstStyle/>
                     <a:p>
                       <a:pPr marL="0" marR="0" lvl="0" indent="0" algn="l" defTabSz="914400" rtl="0" eaLnBrk="1" latinLnBrk="1" hangingPunct="1">
@@ -7480,15 +7462,6 @@
                         </a:rPr>
                         <a:t>27</a:t>
                       </a:r>
-                      <a:endParaRPr kumimoji="0" lang="en-US" altLang="ko-KR" sz="800" i="0" u="none" strike="noStrike" cap="none" normalizeH="0" baseline="0">
-                        <a:solidFill>
-                          <a:schemeClr val="tx1"/>
-                        </a:solidFill>
-                        <a:effectLst/>
-                        <a:latin typeface="나눔바른고딕"/>
-                        <a:ea typeface="나눔바른고딕"/>
-                        <a:cs typeface="+mn-cs"/>
-                      </a:endParaRPr>
                     </a:p>
                   </a:txBody>
                   <a:tcPr marL="68580" marR="68580" marT="25718" marB="25718" horzOverflow="overflow">
@@ -7547,7 +7520,7 @@
                 </a:tc>
                 <a:tc>
                   <a:txBody>
-                    <a:bodyPr vert="horz" lIns="68580" tIns="25718" rIns="68580" bIns="25718" anchor="t" anchorCtr="0"/>
+                    <a:bodyPr/>
                     <a:lstStyle/>
                     <a:p>
                       <a:pPr marL="0" marR="0" lvl="0" indent="0" algn="l" defTabSz="914400" rtl="0" eaLnBrk="1" latinLnBrk="1" hangingPunct="1">
@@ -7580,18 +7553,6 @@
                         </a:rPr>
                         <a:t>28</a:t>
                       </a:r>
-                      <a:endParaRPr kumimoji="0" lang="en-US" altLang="ko-KR" sz="800" i="0" u="none" strike="noStrike" cap="none" normalizeH="0" baseline="0">
-                        <a:solidFill>
-                          <a:schemeClr val="tx1">
-                            <a:lumMod val="75000"/>
-                            <a:lumOff val="25000"/>
-                          </a:schemeClr>
-                        </a:solidFill>
-                        <a:effectLst/>
-                        <a:latin typeface="나눔바른고딕"/>
-                        <a:ea typeface="나눔바른고딕"/>
-                        <a:cs typeface="+mn-cs"/>
-                      </a:endParaRPr>
                     </a:p>
                   </a:txBody>
                   <a:tcPr marL="68580" marR="68580" marT="25718" marB="25718" horzOverflow="overflow">
@@ -7650,7 +7611,7 @@
                 </a:tc>
                 <a:tc>
                   <a:txBody>
-                    <a:bodyPr vert="horz" lIns="68580" tIns="25718" rIns="68580" bIns="25718" anchor="t" anchorCtr="0"/>
+                    <a:bodyPr/>
                     <a:lstStyle/>
                     <a:p>
                       <a:pPr marL="0" marR="0" lvl="0" indent="0" algn="l" defTabSz="914400" rtl="0" eaLnBrk="1" latinLnBrk="1" hangingPunct="1">
@@ -7671,7 +7632,7 @@
                       <a:r>
                         <a:rPr kumimoji="0" lang="en-US" altLang="ko-KR" sz="800" i="0" u="none" strike="noStrike" cap="none" normalizeH="0" baseline="0">
                           <a:solidFill>
-                            <a:srgbClr val="ff0000"/>
+                            <a:srgbClr val="FF0000"/>
                           </a:solidFill>
                           <a:effectLst/>
                           <a:latin typeface="나눔바른고딕"/>
@@ -7680,15 +7641,6 @@
                         </a:rPr>
                         <a:t>1</a:t>
                       </a:r>
-                      <a:endParaRPr kumimoji="0" lang="en-US" altLang="ko-KR" sz="800" i="0" u="none" strike="noStrike" cap="none" normalizeH="0" baseline="0">
-                        <a:solidFill>
-                          <a:srgbClr val="ff0000"/>
-                        </a:solidFill>
-                        <a:effectLst/>
-                        <a:latin typeface="나눔바른고딕"/>
-                        <a:ea typeface="나눔바른고딕"/>
-                        <a:cs typeface="+mn-cs"/>
-                      </a:endParaRPr>
                     </a:p>
                   </a:txBody>
                   <a:tcPr marL="68580" marR="68580" marT="25718" marB="25718" horzOverflow="overflow">
@@ -7747,7 +7699,7 @@
                 </a:tc>
                 <a:tc>
                   <a:txBody>
-                    <a:bodyPr vert="horz" lIns="68580" tIns="25718" rIns="68580" bIns="25718" anchor="t" anchorCtr="0"/>
+                    <a:bodyPr/>
                     <a:lstStyle/>
                     <a:p>
                       <a:pPr marL="0" marR="0" lvl="0" indent="0" algn="l" defTabSz="914400" rtl="0" eaLnBrk="1" latinLnBrk="1" hangingPunct="1">
@@ -7780,18 +7732,6 @@
                         </a:rPr>
                         <a:t>2</a:t>
                       </a:r>
-                      <a:endParaRPr kumimoji="0" lang="en-US" altLang="ko-KR" sz="800" i="0" u="none" strike="noStrike" cap="none" normalizeH="0" baseline="0">
-                        <a:solidFill>
-                          <a:schemeClr val="tx1">
-                            <a:lumMod val="95000"/>
-                            <a:lumOff val="5000"/>
-                          </a:schemeClr>
-                        </a:solidFill>
-                        <a:effectLst/>
-                        <a:latin typeface="나눔바른고딕"/>
-                        <a:ea typeface="나눔바른고딕"/>
-                        <a:cs typeface="+mn-cs"/>
-                      </a:endParaRPr>
                     </a:p>
                   </a:txBody>
                   <a:tcPr marL="68580" marR="68580" marT="25718" marB="25718" horzOverflow="overflow">
@@ -7850,7 +7790,7 @@
                 </a:tc>
                 <a:tc>
                   <a:txBody>
-                    <a:bodyPr vert="horz" lIns="68580" tIns="25718" rIns="68580" bIns="25718" anchor="t" anchorCtr="0"/>
+                    <a:bodyPr/>
                     <a:lstStyle/>
                     <a:p>
                       <a:pPr marL="0" marR="0" lvl="0" indent="0" algn="l" defTabSz="914400" rtl="0" eaLnBrk="1" latinLnBrk="1" hangingPunct="1">
@@ -7883,18 +7823,6 @@
                         </a:rPr>
                         <a:t>3</a:t>
                       </a:r>
-                      <a:endParaRPr kumimoji="0" lang="en-US" altLang="ko-KR" sz="800" i="0" u="none" strike="noStrike" cap="none" normalizeH="0" baseline="0">
-                        <a:solidFill>
-                          <a:schemeClr val="tx1">
-                            <a:lumMod val="95000"/>
-                            <a:lumOff val="5000"/>
-                          </a:schemeClr>
-                        </a:solidFill>
-                        <a:effectLst/>
-                        <a:latin typeface="나눔바른고딕"/>
-                        <a:ea typeface="나눔바른고딕"/>
-                        <a:cs typeface="+mn-cs"/>
-                      </a:endParaRPr>
                     </a:p>
                   </a:txBody>
                   <a:tcPr marL="68580" marR="68580" marT="25718" marB="25718" horzOverflow="overflow">
@@ -7953,7 +7881,7 @@
                 </a:tc>
                 <a:tc>
                   <a:txBody>
-                    <a:bodyPr vert="horz" lIns="68580" tIns="25718" rIns="68580" bIns="25718" anchor="t" anchorCtr="0"/>
+                    <a:bodyPr/>
                     <a:lstStyle/>
                     <a:p>
                       <a:pPr marL="0" marR="0" lvl="0" indent="0" algn="l" defTabSz="914400" rtl="0" eaLnBrk="1" latinLnBrk="1" hangingPunct="1">
@@ -7972,9 +7900,9 @@
                         <a:defRPr/>
                       </a:pPr>
                       <a:r>
-                        <a:rPr kumimoji="0" lang="en-US" altLang="ko-KR" sz="800" i="0" u="none" strike="noStrike" cap="none" normalizeH="0" baseline="0">
-                          <a:solidFill>
-                            <a:srgbClr val="0070c0"/>
+                        <a:rPr kumimoji="0" lang="en-US" altLang="ko-KR" sz="800" i="0" u="none" strike="noStrike" cap="none" normalizeH="0" baseline="0" dirty="0">
+                          <a:solidFill>
+                            <a:srgbClr val="0070C0"/>
                           </a:solidFill>
                           <a:effectLst/>
                           <a:latin typeface="나눔바른고딕"/>
@@ -7983,15 +7911,6 @@
                         </a:rPr>
                         <a:t>4</a:t>
                       </a:r>
-                      <a:endParaRPr kumimoji="0" lang="en-US" altLang="ko-KR" sz="800" i="0" u="none" strike="noStrike" cap="none" normalizeH="0" baseline="0">
-                        <a:solidFill>
-                          <a:srgbClr val="0070c0"/>
-                        </a:solidFill>
-                        <a:effectLst/>
-                        <a:latin typeface="나눔바른고딕"/>
-                        <a:ea typeface="나눔바른고딕"/>
-                        <a:cs typeface="+mn-cs"/>
-                      </a:endParaRPr>
                     </a:p>
                   </a:txBody>
                   <a:tcPr marL="68580" marR="68580" marT="25718" marB="25718" horzOverflow="overflow">
@@ -8048,11 +7967,16 @@
                     <a:noFill/>
                   </a:tcPr>
                 </a:tc>
+                <a:extLst>
+                  <a:ext uri="{0D108BD9-81ED-4DB2-BD59-A6C34878D82A}">
+                    <a16:rowId xmlns:a16="http://schemas.microsoft.com/office/drawing/2014/main" val="10002"/>
+                  </a:ext>
+                </a:extLst>
               </a:tr>
               <a:tr h="427961">
                 <a:tc>
                   <a:txBody>
-                    <a:bodyPr vert="horz" lIns="68580" tIns="25718" rIns="68580" bIns="25718" anchor="t" anchorCtr="0"/>
+                    <a:bodyPr/>
                     <a:lstStyle/>
                     <a:p>
                       <a:pPr marL="0" marR="0" lvl="0" indent="0" algn="l" defTabSz="914400" rtl="0" eaLnBrk="1" latinLnBrk="1" hangingPunct="1">
@@ -8073,7 +7997,7 @@
                       <a:r>
                         <a:rPr kumimoji="0" lang="en-US" altLang="ko-KR" sz="800" i="0" u="none" strike="noStrike" cap="none" normalizeH="0" baseline="0">
                           <a:solidFill>
-                            <a:srgbClr val="ff0000"/>
+                            <a:srgbClr val="FF0000"/>
                           </a:solidFill>
                           <a:effectLst/>
                           <a:latin typeface="나눔바른고딕"/>
@@ -8082,15 +8006,6 @@
                         </a:rPr>
                         <a:t>5</a:t>
                       </a:r>
-                      <a:endParaRPr kumimoji="0" lang="en-US" altLang="ko-KR" sz="800" i="0" u="none" strike="noStrike" cap="none" normalizeH="0" baseline="0">
-                        <a:solidFill>
-                          <a:srgbClr val="ff0000"/>
-                        </a:solidFill>
-                        <a:effectLst/>
-                        <a:latin typeface="나눔바른고딕"/>
-                        <a:ea typeface="나눔바른고딕"/>
-                        <a:cs typeface="+mn-cs"/>
-                      </a:endParaRPr>
                     </a:p>
                   </a:txBody>
                   <a:tcPr marL="68580" marR="68580" marT="25718" marB="25718" horzOverflow="overflow">
@@ -8149,7 +8064,7 @@
                 </a:tc>
                 <a:tc>
                   <a:txBody>
-                    <a:bodyPr vert="horz" lIns="68580" tIns="25718" rIns="68580" bIns="25718" anchor="t" anchorCtr="0"/>
+                    <a:bodyPr/>
                     <a:lstStyle/>
                     <a:p>
                       <a:pPr marL="0" marR="0" lvl="0" indent="0" algn="l" defTabSz="914400" rtl="0" eaLnBrk="1" latinLnBrk="1" hangingPunct="1">
@@ -8179,15 +8094,6 @@
                         </a:rPr>
                         <a:t>6</a:t>
                       </a:r>
-                      <a:endParaRPr kumimoji="0" lang="en-US" altLang="ko-KR" sz="800" i="0" u="none" strike="noStrike" cap="none" normalizeH="0" baseline="0">
-                        <a:solidFill>
-                          <a:schemeClr val="tx1"/>
-                        </a:solidFill>
-                        <a:effectLst/>
-                        <a:latin typeface="나눔바른고딕"/>
-                        <a:ea typeface="나눔바른고딕"/>
-                        <a:cs typeface="+mn-cs"/>
-                      </a:endParaRPr>
                     </a:p>
                   </a:txBody>
                   <a:tcPr marL="68580" marR="68580" marT="25718" marB="25718" horzOverflow="overflow">
@@ -8246,7 +8152,7 @@
                 </a:tc>
                 <a:tc>
                   <a:txBody>
-                    <a:bodyPr vert="horz" lIns="68580" tIns="25718" rIns="68580" bIns="25718" anchor="t" anchorCtr="0"/>
+                    <a:bodyPr/>
                     <a:lstStyle/>
                     <a:p>
                       <a:pPr marL="0" marR="0" lvl="0" indent="0" algn="l" defTabSz="914400" rtl="0" eaLnBrk="1" latinLnBrk="1" hangingPunct="1">
@@ -8276,15 +8182,6 @@
                         </a:rPr>
                         <a:t>7</a:t>
                       </a:r>
-                      <a:endParaRPr kumimoji="0" lang="en-US" altLang="ko-KR" sz="800" i="0" u="none" strike="noStrike" cap="none" normalizeH="0" baseline="0">
-                        <a:solidFill>
-                          <a:schemeClr val="tx1"/>
-                        </a:solidFill>
-                        <a:effectLst/>
-                        <a:latin typeface="나눔바른고딕"/>
-                        <a:ea typeface="나눔바른고딕"/>
-                        <a:cs typeface="+mn-cs"/>
-                      </a:endParaRPr>
                     </a:p>
                   </a:txBody>
                   <a:tcPr marL="68580" marR="68580" marT="25718" marB="25718" horzOverflow="overflow">
@@ -8343,7 +8240,7 @@
                 </a:tc>
                 <a:tc>
                   <a:txBody>
-                    <a:bodyPr vert="horz" lIns="68580" tIns="25718" rIns="68580" bIns="25718" anchor="t" anchorCtr="0"/>
+                    <a:bodyPr/>
                     <a:lstStyle/>
                     <a:p>
                       <a:pPr marL="0" marR="0" lvl="0" indent="0" algn="l" defTabSz="914400" rtl="0" eaLnBrk="1" latinLnBrk="1" hangingPunct="1">
@@ -8376,18 +8273,6 @@
                         </a:rPr>
                         <a:t>8</a:t>
                       </a:r>
-                      <a:endParaRPr kumimoji="0" lang="en-US" altLang="ko-KR" sz="800" i="0" u="none" strike="noStrike" cap="none" normalizeH="0" baseline="0">
-                        <a:solidFill>
-                          <a:schemeClr val="tx1">
-                            <a:lumMod val="75000"/>
-                            <a:lumOff val="25000"/>
-                          </a:schemeClr>
-                        </a:solidFill>
-                        <a:effectLst/>
-                        <a:latin typeface="나눔바른고딕"/>
-                        <a:ea typeface="나눔바른고딕"/>
-                        <a:cs typeface="+mn-cs"/>
-                      </a:endParaRPr>
                     </a:p>
                   </a:txBody>
                   <a:tcPr marL="68580" marR="68580" marT="25718" marB="25718" horzOverflow="overflow">
@@ -8446,7 +8331,7 @@
                 </a:tc>
                 <a:tc>
                   <a:txBody>
-                    <a:bodyPr vert="horz" lIns="68580" tIns="25718" rIns="68580" bIns="25718" anchor="t" anchorCtr="0"/>
+                    <a:bodyPr/>
                     <a:lstStyle/>
                     <a:p>
                       <a:pPr marL="0" marR="0" lvl="0" indent="0" algn="l" defTabSz="914400" rtl="0" eaLnBrk="1" latinLnBrk="1" hangingPunct="1">
@@ -8476,15 +8361,6 @@
                         </a:rPr>
                         <a:t>9</a:t>
                       </a:r>
-                      <a:endParaRPr kumimoji="0" lang="en-US" altLang="ko-KR" sz="800" i="0" u="none" strike="noStrike" cap="none" normalizeH="0" baseline="0">
-                        <a:solidFill>
-                          <a:schemeClr val="tx1"/>
-                        </a:solidFill>
-                        <a:effectLst/>
-                        <a:latin typeface="나눔바른고딕"/>
-                        <a:ea typeface="나눔바른고딕"/>
-                        <a:cs typeface="+mn-cs"/>
-                      </a:endParaRPr>
                     </a:p>
                   </a:txBody>
                   <a:tcPr marL="68580" marR="68580" marT="25718" marB="25718" horzOverflow="overflow">
@@ -8543,7 +8419,7 @@
                 </a:tc>
                 <a:tc>
                   <a:txBody>
-                    <a:bodyPr vert="horz" lIns="68580" tIns="25718" rIns="68580" bIns="25718" anchor="t" anchorCtr="0"/>
+                    <a:bodyPr/>
                     <a:lstStyle/>
                     <a:p>
                       <a:pPr marL="0" marR="0" lvl="0" indent="0" algn="l" defTabSz="914400" rtl="0" eaLnBrk="1" latinLnBrk="1" hangingPunct="1">
@@ -8573,15 +8449,6 @@
                         </a:rPr>
                         <a:t>10</a:t>
                       </a:r>
-                      <a:endParaRPr kumimoji="0" lang="en-US" altLang="ko-KR" sz="800" i="0" u="none" strike="noStrike" cap="none" normalizeH="0" baseline="0">
-                        <a:solidFill>
-                          <a:schemeClr val="tx1"/>
-                        </a:solidFill>
-                        <a:effectLst/>
-                        <a:latin typeface="나눔바른고딕"/>
-                        <a:ea typeface="나눔바른고딕"/>
-                        <a:cs typeface="+mn-cs"/>
-                      </a:endParaRPr>
                     </a:p>
                   </a:txBody>
                   <a:tcPr marL="68580" marR="68580" marT="25718" marB="25718" horzOverflow="overflow">
@@ -8640,7 +8507,7 @@
                 </a:tc>
                 <a:tc>
                   <a:txBody>
-                    <a:bodyPr vert="horz" lIns="68580" tIns="25718" rIns="68580" bIns="25718" anchor="t" anchorCtr="0"/>
+                    <a:bodyPr/>
                     <a:lstStyle/>
                     <a:p>
                       <a:pPr marL="0" marR="0" lvl="0" indent="0" algn="l" defTabSz="914400" rtl="0" eaLnBrk="1" latinLnBrk="1" hangingPunct="1">
@@ -8659,9 +8526,9 @@
                         <a:defRPr/>
                       </a:pPr>
                       <a:r>
-                        <a:rPr kumimoji="0" lang="en-US" altLang="ko-KR" sz="800" i="0" u="none" strike="noStrike" cap="none" normalizeH="0" baseline="0">
-                          <a:solidFill>
-                            <a:srgbClr val="0070c0"/>
+                        <a:rPr kumimoji="0" lang="en-US" altLang="ko-KR" sz="800" i="0" u="none" strike="noStrike" cap="none" normalizeH="0" baseline="0" dirty="0">
+                          <a:solidFill>
+                            <a:srgbClr val="0070C0"/>
                           </a:solidFill>
                           <a:effectLst/>
                           <a:latin typeface="나눔바른고딕"/>
@@ -8670,15 +8537,6 @@
                         </a:rPr>
                         <a:t>11</a:t>
                       </a:r>
-                      <a:endParaRPr kumimoji="0" lang="en-US" altLang="ko-KR" sz="800" i="0" u="none" strike="noStrike" cap="none" normalizeH="0" baseline="0">
-                        <a:solidFill>
-                          <a:srgbClr val="0070c0"/>
-                        </a:solidFill>
-                        <a:effectLst/>
-                        <a:latin typeface="나눔바른고딕"/>
-                        <a:ea typeface="나눔바른고딕"/>
-                        <a:cs typeface="+mn-cs"/>
-                      </a:endParaRPr>
                     </a:p>
                   </a:txBody>
                   <a:tcPr marL="68580" marR="68580" marT="25718" marB="25718" horzOverflow="overflow">
@@ -8735,11 +8593,16 @@
                     <a:noFill/>
                   </a:tcPr>
                 </a:tc>
+                <a:extLst>
+                  <a:ext uri="{0D108BD9-81ED-4DB2-BD59-A6C34878D82A}">
+                    <a16:rowId xmlns:a16="http://schemas.microsoft.com/office/drawing/2014/main" val="10003"/>
+                  </a:ext>
+                </a:extLst>
               </a:tr>
               <a:tr h="427961">
                 <a:tc>
                   <a:txBody>
-                    <a:bodyPr vert="horz" lIns="68580" tIns="25718" rIns="68580" bIns="25718" anchor="t" anchorCtr="0"/>
+                    <a:bodyPr/>
                     <a:lstStyle/>
                     <a:p>
                       <a:pPr marL="0" marR="0" lvl="0" indent="0" algn="l" defTabSz="914400" rtl="0" eaLnBrk="1" latinLnBrk="1" hangingPunct="1">
@@ -8760,7 +8623,7 @@
                       <a:r>
                         <a:rPr kumimoji="0" lang="en-US" altLang="ko-KR" sz="800" i="0" u="none" strike="noStrike" cap="none" normalizeH="0" baseline="0">
                           <a:solidFill>
-                            <a:srgbClr val="ff0000"/>
+                            <a:srgbClr val="FF0000"/>
                           </a:solidFill>
                           <a:effectLst/>
                           <a:latin typeface="나눔바른고딕"/>
@@ -8769,15 +8632,6 @@
                         </a:rPr>
                         <a:t>12</a:t>
                       </a:r>
-                      <a:endParaRPr kumimoji="0" lang="en-US" altLang="ko-KR" sz="800" i="0" u="none" strike="noStrike" cap="none" normalizeH="0" baseline="0">
-                        <a:solidFill>
-                          <a:srgbClr val="ff0000"/>
-                        </a:solidFill>
-                        <a:effectLst/>
-                        <a:latin typeface="나눔바른고딕"/>
-                        <a:ea typeface="나눔바른고딕"/>
-                        <a:cs typeface="+mn-cs"/>
-                      </a:endParaRPr>
                     </a:p>
                   </a:txBody>
                   <a:tcPr marL="68580" marR="68580" marT="25718" marB="25718" horzOverflow="overflow">
@@ -8836,7 +8690,7 @@
                 </a:tc>
                 <a:tc>
                   <a:txBody>
-                    <a:bodyPr vert="horz" lIns="68580" tIns="25718" rIns="68580" bIns="25718" anchor="t" anchorCtr="0"/>
+                    <a:bodyPr/>
                     <a:lstStyle/>
                     <a:p>
                       <a:pPr marL="0" marR="0" lvl="0" indent="0" algn="l" defTabSz="914400" rtl="0" eaLnBrk="1" latinLnBrk="1" hangingPunct="1">
@@ -8866,15 +8720,6 @@
                         </a:rPr>
                         <a:t>13</a:t>
                       </a:r>
-                      <a:endParaRPr kumimoji="0" lang="en-US" altLang="ko-KR" sz="800" i="0" u="none" strike="noStrike" cap="none" normalizeH="0" baseline="0">
-                        <a:solidFill>
-                          <a:schemeClr val="tx1"/>
-                        </a:solidFill>
-                        <a:effectLst/>
-                        <a:latin typeface="나눔바른고딕"/>
-                        <a:ea typeface="나눔바른고딕"/>
-                        <a:cs typeface="+mn-cs"/>
-                      </a:endParaRPr>
                     </a:p>
                   </a:txBody>
                   <a:tcPr marL="68580" marR="68580" marT="25718" marB="25718" horzOverflow="overflow">
@@ -8933,7 +8778,7 @@
                 </a:tc>
                 <a:tc>
                   <a:txBody>
-                    <a:bodyPr vert="horz" lIns="68580" tIns="25718" rIns="68580" bIns="25718" anchor="t" anchorCtr="0"/>
+                    <a:bodyPr/>
                     <a:lstStyle/>
                     <a:p>
                       <a:pPr marL="0" marR="0" lvl="0" indent="0" algn="l" defTabSz="914400" rtl="0" eaLnBrk="1" latinLnBrk="1" hangingPunct="1">
@@ -8963,15 +8808,6 @@
                         </a:rPr>
                         <a:t>14</a:t>
                       </a:r>
-                      <a:endParaRPr kumimoji="0" lang="en-US" altLang="ko-KR" sz="800" i="0" u="none" strike="noStrike" cap="none" normalizeH="0" baseline="0">
-                        <a:solidFill>
-                          <a:schemeClr val="tx1"/>
-                        </a:solidFill>
-                        <a:effectLst/>
-                        <a:latin typeface="나눔바른고딕"/>
-                        <a:ea typeface="나눔바른고딕"/>
-                        <a:cs typeface="+mn-cs"/>
-                      </a:endParaRPr>
                     </a:p>
                   </a:txBody>
                   <a:tcPr marL="68580" marR="68580" marT="25718" marB="25718" horzOverflow="overflow">
@@ -9030,7 +8866,7 @@
                 </a:tc>
                 <a:tc>
                   <a:txBody>
-                    <a:bodyPr vert="horz" lIns="68580" tIns="25718" rIns="68580" bIns="25718" anchor="t" anchorCtr="0"/>
+                    <a:bodyPr/>
                     <a:lstStyle/>
                     <a:p>
                       <a:pPr marL="0" marR="0" lvl="0" indent="0" algn="l" defTabSz="914400" rtl="0" eaLnBrk="1" latinLnBrk="1" hangingPunct="1">
@@ -9060,15 +8896,6 @@
                         </a:rPr>
                         <a:t>15</a:t>
                       </a:r>
-                      <a:endParaRPr kumimoji="0" lang="en-US" altLang="ko-KR" sz="800" i="0" u="none" strike="noStrike" cap="none" normalizeH="0" baseline="0">
-                        <a:solidFill>
-                          <a:schemeClr val="tx1"/>
-                        </a:solidFill>
-                        <a:effectLst/>
-                        <a:latin typeface="나눔바른고딕"/>
-                        <a:ea typeface="나눔바른고딕"/>
-                        <a:cs typeface="+mn-cs"/>
-                      </a:endParaRPr>
                     </a:p>
                   </a:txBody>
                   <a:tcPr marL="68580" marR="68580" marT="25718" marB="25718" horzOverflow="overflow">
@@ -9127,7 +8954,7 @@
                 </a:tc>
                 <a:tc>
                   <a:txBody>
-                    <a:bodyPr vert="horz" lIns="68580" tIns="25718" rIns="68580" bIns="25718" anchor="t" anchorCtr="0"/>
+                    <a:bodyPr/>
                     <a:lstStyle/>
                     <a:p>
                       <a:pPr marL="0" marR="0" lvl="0" indent="0" algn="l" defTabSz="914400" rtl="0" eaLnBrk="1" latinLnBrk="1" hangingPunct="1">
@@ -9157,15 +8984,6 @@
                         </a:rPr>
                         <a:t>16</a:t>
                       </a:r>
-                      <a:endParaRPr kumimoji="0" lang="en-US" altLang="ko-KR" sz="800" i="0" u="none" strike="noStrike" cap="none" normalizeH="0" baseline="0">
-                        <a:solidFill>
-                          <a:schemeClr val="tx1"/>
-                        </a:solidFill>
-                        <a:effectLst/>
-                        <a:latin typeface="나눔바른고딕"/>
-                        <a:ea typeface="나눔바른고딕"/>
-                        <a:cs typeface="+mn-cs"/>
-                      </a:endParaRPr>
                     </a:p>
                   </a:txBody>
                   <a:tcPr marL="68580" marR="68580" marT="25718" marB="25718" horzOverflow="overflow">
@@ -9224,7 +9042,7 @@
                 </a:tc>
                 <a:tc>
                   <a:txBody>
-                    <a:bodyPr vert="horz" lIns="68580" tIns="25718" rIns="68580" bIns="25718" anchor="t" anchorCtr="0"/>
+                    <a:bodyPr/>
                     <a:lstStyle/>
                     <a:p>
                       <a:pPr marL="0" marR="0" lvl="0" indent="0" algn="l" defTabSz="914400" rtl="0" eaLnBrk="1" latinLnBrk="1" hangingPunct="1">
@@ -9254,15 +9072,6 @@
                         </a:rPr>
                         <a:t>17</a:t>
                       </a:r>
-                      <a:endParaRPr kumimoji="0" lang="en-US" altLang="ko-KR" sz="800" i="0" u="none" strike="noStrike" cap="none" normalizeH="0" baseline="0">
-                        <a:solidFill>
-                          <a:schemeClr val="tx1"/>
-                        </a:solidFill>
-                        <a:effectLst/>
-                        <a:latin typeface="나눔바른고딕"/>
-                        <a:ea typeface="나눔바른고딕"/>
-                        <a:cs typeface="+mn-cs"/>
-                      </a:endParaRPr>
                     </a:p>
                   </a:txBody>
                   <a:tcPr marL="68580" marR="68580" marT="25718" marB="25718" horzOverflow="overflow">
@@ -9321,7 +9130,7 @@
                 </a:tc>
                 <a:tc>
                   <a:txBody>
-                    <a:bodyPr vert="horz" lIns="68580" tIns="25718" rIns="68580" bIns="25718" anchor="t" anchorCtr="0"/>
+                    <a:bodyPr/>
                     <a:lstStyle/>
                     <a:p>
                       <a:pPr marL="0" marR="0" lvl="0" indent="0" algn="l" defTabSz="914400" rtl="0" eaLnBrk="1" latinLnBrk="1" hangingPunct="1">
@@ -9342,7 +9151,7 @@
                       <a:r>
                         <a:rPr kumimoji="0" lang="en-US" altLang="ko-KR" sz="800" i="0" u="none" strike="noStrike" cap="none" normalizeH="0" baseline="0">
                           <a:solidFill>
-                            <a:srgbClr val="0070c0"/>
+                            <a:srgbClr val="0070C0"/>
                           </a:solidFill>
                           <a:effectLst/>
                           <a:latin typeface="나눔바른고딕"/>
@@ -9351,15 +9160,6 @@
                         </a:rPr>
                         <a:t>18</a:t>
                       </a:r>
-                      <a:endParaRPr kumimoji="0" lang="en-US" altLang="ko-KR" sz="800" i="0" u="none" strike="noStrike" cap="none" normalizeH="0" baseline="0">
-                        <a:solidFill>
-                          <a:srgbClr val="0070c0"/>
-                        </a:solidFill>
-                        <a:effectLst/>
-                        <a:latin typeface="나눔바른고딕"/>
-                        <a:ea typeface="나눔바른고딕"/>
-                        <a:cs typeface="+mn-cs"/>
-                      </a:endParaRPr>
                     </a:p>
                   </a:txBody>
                   <a:tcPr marL="68580" marR="68580" marT="25718" marB="25718" horzOverflow="overflow">
@@ -9416,11 +9216,16 @@
                     <a:noFill/>
                   </a:tcPr>
                 </a:tc>
+                <a:extLst>
+                  <a:ext uri="{0D108BD9-81ED-4DB2-BD59-A6C34878D82A}">
+                    <a16:rowId xmlns:a16="http://schemas.microsoft.com/office/drawing/2014/main" val="10004"/>
+                  </a:ext>
+                </a:extLst>
               </a:tr>
               <a:tr h="427961">
                 <a:tc>
                   <a:txBody>
-                    <a:bodyPr vert="horz" lIns="68580" tIns="25718" rIns="68580" bIns="25718" anchor="t" anchorCtr="0"/>
+                    <a:bodyPr/>
                     <a:lstStyle/>
                     <a:p>
                       <a:pPr marL="0" marR="0" lvl="0" indent="0" algn="l" defTabSz="914400" rtl="0" eaLnBrk="1" latinLnBrk="1" hangingPunct="1">
@@ -9441,7 +9246,7 @@
                       <a:r>
                         <a:rPr kumimoji="0" lang="en-US" altLang="ko-KR" sz="800" i="0" u="none" strike="noStrike" cap="none" normalizeH="0" baseline="0">
                           <a:solidFill>
-                            <a:srgbClr val="ff0000"/>
+                            <a:srgbClr val="FF0000"/>
                           </a:solidFill>
                           <a:effectLst/>
                           <a:latin typeface="나눔바른고딕"/>
@@ -9450,15 +9255,6 @@
                         </a:rPr>
                         <a:t>19</a:t>
                       </a:r>
-                      <a:endParaRPr kumimoji="0" lang="en-US" altLang="ko-KR" sz="800" i="0" u="none" strike="noStrike" cap="none" normalizeH="0" baseline="0">
-                        <a:solidFill>
-                          <a:srgbClr val="ff0000"/>
-                        </a:solidFill>
-                        <a:effectLst/>
-                        <a:latin typeface="나눔바른고딕"/>
-                        <a:ea typeface="나눔바른고딕"/>
-                        <a:cs typeface="+mn-cs"/>
-                      </a:endParaRPr>
                     </a:p>
                   </a:txBody>
                   <a:tcPr marL="68580" marR="68580" marT="25718" marB="25718" horzOverflow="overflow">
@@ -9517,7 +9313,7 @@
                 </a:tc>
                 <a:tc>
                   <a:txBody>
-                    <a:bodyPr vert="horz" lIns="68580" tIns="25718" rIns="68580" bIns="25718" anchor="t" anchorCtr="0"/>
+                    <a:bodyPr/>
                     <a:lstStyle/>
                     <a:p>
                       <a:pPr marL="0" marR="0" lvl="0" indent="0" algn="l" defTabSz="914400" rtl="0" eaLnBrk="1" latinLnBrk="1" hangingPunct="1">
@@ -9547,15 +9343,6 @@
                         </a:rPr>
                         <a:t>20</a:t>
                       </a:r>
-                      <a:endParaRPr kumimoji="0" lang="en-US" altLang="ko-KR" sz="800" i="0" u="none" strike="noStrike" cap="none" normalizeH="0" baseline="0">
-                        <a:solidFill>
-                          <a:schemeClr val="tx1"/>
-                        </a:solidFill>
-                        <a:effectLst/>
-                        <a:latin typeface="나눔바른고딕"/>
-                        <a:ea typeface="나눔바른고딕"/>
-                        <a:cs typeface="+mn-cs"/>
-                      </a:endParaRPr>
                     </a:p>
                   </a:txBody>
                   <a:tcPr marL="68580" marR="68580" marT="25718" marB="25718" horzOverflow="overflow">
@@ -9614,7 +9401,7 @@
                 </a:tc>
                 <a:tc>
                   <a:txBody>
-                    <a:bodyPr vert="horz" lIns="68580" tIns="25718" rIns="68580" bIns="25718" anchor="t" anchorCtr="0"/>
+                    <a:bodyPr/>
                     <a:lstStyle/>
                     <a:p>
                       <a:pPr marL="0" marR="0" lvl="0" indent="0" algn="l" defTabSz="914400" rtl="0" eaLnBrk="1" latinLnBrk="1" hangingPunct="1">
@@ -9644,15 +9431,6 @@
                         </a:rPr>
                         <a:t>21</a:t>
                       </a:r>
-                      <a:endParaRPr kumimoji="0" lang="en-US" altLang="ko-KR" sz="800" i="0" u="none" strike="noStrike" cap="none" normalizeH="0" baseline="0">
-                        <a:solidFill>
-                          <a:schemeClr val="tx1"/>
-                        </a:solidFill>
-                        <a:effectLst/>
-                        <a:latin typeface="나눔바른고딕"/>
-                        <a:ea typeface="나눔바른고딕"/>
-                        <a:cs typeface="+mn-cs"/>
-                      </a:endParaRPr>
                     </a:p>
                   </a:txBody>
                   <a:tcPr marL="68580" marR="68580" marT="25718" marB="25718" horzOverflow="overflow">
@@ -9711,7 +9489,7 @@
                 </a:tc>
                 <a:tc>
                   <a:txBody>
-                    <a:bodyPr vert="horz" lIns="68580" tIns="25718" rIns="68580" bIns="25718" anchor="t" anchorCtr="0"/>
+                    <a:bodyPr/>
                     <a:lstStyle/>
                     <a:p>
                       <a:pPr marL="0" marR="0" lvl="0" indent="0" algn="l" defTabSz="914400" rtl="0" eaLnBrk="1" latinLnBrk="1" hangingPunct="1">
@@ -9741,15 +9519,6 @@
                         </a:rPr>
                         <a:t>22</a:t>
                       </a:r>
-                      <a:endParaRPr kumimoji="0" lang="en-US" altLang="ko-KR" sz="800" i="0" u="none" strike="noStrike" cap="none" normalizeH="0" baseline="0">
-                        <a:solidFill>
-                          <a:schemeClr val="tx1"/>
-                        </a:solidFill>
-                        <a:effectLst/>
-                        <a:latin typeface="나눔바른고딕"/>
-                        <a:ea typeface="나눔바른고딕"/>
-                        <a:cs typeface="+mn-cs"/>
-                      </a:endParaRPr>
                     </a:p>
                   </a:txBody>
                   <a:tcPr marL="68580" marR="68580" marT="25718" marB="25718" horzOverflow="overflow">
@@ -9808,7 +9577,7 @@
                 </a:tc>
                 <a:tc>
                   <a:txBody>
-                    <a:bodyPr vert="horz" lIns="68580" tIns="25718" rIns="68580" bIns="25718" anchor="t" anchorCtr="0"/>
+                    <a:bodyPr/>
                     <a:lstStyle/>
                     <a:p>
                       <a:pPr marL="0" marR="0" lvl="0" indent="0" algn="l" defTabSz="914400" rtl="0" eaLnBrk="1" latinLnBrk="1" hangingPunct="1">
@@ -9838,15 +9607,6 @@
                         </a:rPr>
                         <a:t>23</a:t>
                       </a:r>
-                      <a:endParaRPr kumimoji="0" lang="en-US" altLang="ko-KR" sz="800" i="0" u="none" strike="noStrike" cap="none" normalizeH="0" baseline="0">
-                        <a:solidFill>
-                          <a:schemeClr val="tx1"/>
-                        </a:solidFill>
-                        <a:effectLst/>
-                        <a:latin typeface="나눔바른고딕"/>
-                        <a:ea typeface="나눔바른고딕"/>
-                        <a:cs typeface="+mn-cs"/>
-                      </a:endParaRPr>
                     </a:p>
                   </a:txBody>
                   <a:tcPr marL="68580" marR="68580" marT="25718" marB="25718" horzOverflow="overflow">
@@ -9905,7 +9665,7 @@
                 </a:tc>
                 <a:tc>
                   <a:txBody>
-                    <a:bodyPr vert="horz" lIns="68580" tIns="25718" rIns="68580" bIns="25718" anchor="t" anchorCtr="0"/>
+                    <a:bodyPr/>
                     <a:lstStyle/>
                     <a:p>
                       <a:pPr marL="0" marR="0" lvl="0" indent="0" algn="l" defTabSz="914400" rtl="0" eaLnBrk="1" latinLnBrk="1" hangingPunct="1">
@@ -9935,15 +9695,6 @@
                         </a:rPr>
                         <a:t>24</a:t>
                       </a:r>
-                      <a:endParaRPr kumimoji="0" lang="en-US" altLang="ko-KR" sz="800" i="0" u="none" strike="noStrike" cap="none" normalizeH="0" baseline="0">
-                        <a:solidFill>
-                          <a:schemeClr val="tx1"/>
-                        </a:solidFill>
-                        <a:effectLst/>
-                        <a:latin typeface="나눔바른고딕"/>
-                        <a:ea typeface="나눔바른고딕"/>
-                        <a:cs typeface="+mn-cs"/>
-                      </a:endParaRPr>
                     </a:p>
                   </a:txBody>
                   <a:tcPr marL="68580" marR="68580" marT="25718" marB="25718" horzOverflow="overflow">
@@ -10002,7 +9753,7 @@
                 </a:tc>
                 <a:tc>
                   <a:txBody>
-                    <a:bodyPr vert="horz" lIns="68580" tIns="25718" rIns="68580" bIns="25718" anchor="t" anchorCtr="0"/>
+                    <a:bodyPr/>
                     <a:lstStyle/>
                     <a:p>
                       <a:pPr marL="0" marR="0" lvl="0" indent="0" algn="l" defTabSz="914400" rtl="0" eaLnBrk="1" latinLnBrk="1" hangingPunct="1">
@@ -10023,7 +9774,7 @@
                       <a:r>
                         <a:rPr kumimoji="0" lang="en-US" altLang="ko-KR" sz="800" i="0" u="none" strike="noStrike" cap="none" normalizeH="0" baseline="0">
                           <a:solidFill>
-                            <a:srgbClr val="0070c0"/>
+                            <a:srgbClr val="0070C0"/>
                           </a:solidFill>
                           <a:effectLst/>
                           <a:latin typeface="나눔바른고딕"/>
@@ -10032,15 +9783,6 @@
                         </a:rPr>
                         <a:t>25</a:t>
                       </a:r>
-                      <a:endParaRPr kumimoji="0" lang="en-US" altLang="ko-KR" sz="800" i="0" u="none" strike="noStrike" cap="none" normalizeH="0" baseline="0">
-                        <a:solidFill>
-                          <a:srgbClr val="0070c0"/>
-                        </a:solidFill>
-                        <a:effectLst/>
-                        <a:latin typeface="나눔바른고딕"/>
-                        <a:ea typeface="나눔바른고딕"/>
-                        <a:cs typeface="+mn-cs"/>
-                      </a:endParaRPr>
                     </a:p>
                   </a:txBody>
                   <a:tcPr marL="68580" marR="68580" marT="25718" marB="25718" horzOverflow="overflow">
@@ -10097,11 +9839,16 @@
                     <a:noFill/>
                   </a:tcPr>
                 </a:tc>
+                <a:extLst>
+                  <a:ext uri="{0D108BD9-81ED-4DB2-BD59-A6C34878D82A}">
+                    <a16:rowId xmlns:a16="http://schemas.microsoft.com/office/drawing/2014/main" val="10005"/>
+                  </a:ext>
+                </a:extLst>
               </a:tr>
               <a:tr h="427961">
                 <a:tc>
                   <a:txBody>
-                    <a:bodyPr vert="horz" lIns="68580" tIns="25718" rIns="68580" bIns="25718" anchor="t" anchorCtr="0"/>
+                    <a:bodyPr/>
                     <a:lstStyle/>
                     <a:p>
                       <a:pPr marL="0" marR="0" lvl="0" indent="0" algn="l" defTabSz="914400" rtl="0" eaLnBrk="1" latinLnBrk="1" hangingPunct="1">
@@ -10122,7 +9869,7 @@
                       <a:r>
                         <a:rPr kumimoji="0" lang="en-US" altLang="ko-KR" sz="800" i="0" u="none" strike="noStrike" cap="none" normalizeH="0" baseline="0">
                           <a:solidFill>
-                            <a:srgbClr val="ff0000"/>
+                            <a:srgbClr val="FF0000"/>
                           </a:solidFill>
                           <a:effectLst/>
                           <a:latin typeface="나눔바른고딕"/>
@@ -10131,15 +9878,6 @@
                         </a:rPr>
                         <a:t>26</a:t>
                       </a:r>
-                      <a:endParaRPr kumimoji="0" lang="en-US" altLang="ko-KR" sz="800" i="0" u="none" strike="noStrike" cap="none" normalizeH="0" baseline="0">
-                        <a:solidFill>
-                          <a:srgbClr val="ff0000"/>
-                        </a:solidFill>
-                        <a:effectLst/>
-                        <a:latin typeface="나눔바른고딕"/>
-                        <a:ea typeface="나눔바른고딕"/>
-                        <a:cs typeface="+mn-cs"/>
-                      </a:endParaRPr>
                     </a:p>
                   </a:txBody>
                   <a:tcPr marL="68580" marR="68580" marT="25718" marB="25718" horzOverflow="overflow">
@@ -10198,7 +9936,7 @@
                 </a:tc>
                 <a:tc>
                   <a:txBody>
-                    <a:bodyPr vert="horz" lIns="68580" tIns="25718" rIns="68580" bIns="25718" anchor="t" anchorCtr="0"/>
+                    <a:bodyPr/>
                     <a:lstStyle/>
                     <a:p>
                       <a:pPr marL="0" marR="0" lvl="0" indent="0" algn="l" defTabSz="914400" rtl="0" eaLnBrk="1" latinLnBrk="1" hangingPunct="1">
@@ -10228,15 +9966,6 @@
                         </a:rPr>
                         <a:t>27</a:t>
                       </a:r>
-                      <a:endParaRPr kumimoji="0" lang="en-US" altLang="ko-KR" sz="800" i="0" u="none" strike="noStrike" cap="none" normalizeH="0" baseline="0">
-                        <a:solidFill>
-                          <a:schemeClr val="tx1"/>
-                        </a:solidFill>
-                        <a:effectLst/>
-                        <a:latin typeface="나눔바른고딕"/>
-                        <a:ea typeface="나눔바른고딕"/>
-                        <a:cs typeface="+mn-cs"/>
-                      </a:endParaRPr>
                     </a:p>
                   </a:txBody>
                   <a:tcPr marL="68580" marR="68580" marT="25718" marB="25718" horzOverflow="overflow">
@@ -10295,7 +10024,7 @@
                 </a:tc>
                 <a:tc>
                   <a:txBody>
-                    <a:bodyPr vert="horz" lIns="68580" tIns="25718" rIns="68580" bIns="25718" anchor="t" anchorCtr="0"/>
+                    <a:bodyPr/>
                     <a:lstStyle/>
                     <a:p>
                       <a:pPr marL="0" marR="0" lvl="0" indent="0" algn="l" defTabSz="914400" rtl="0" eaLnBrk="1" latinLnBrk="1" hangingPunct="1">
@@ -10325,15 +10054,6 @@
                         </a:rPr>
                         <a:t>28</a:t>
                       </a:r>
-                      <a:endParaRPr kumimoji="0" lang="en-US" altLang="ko-KR" sz="800" i="0" u="none" strike="noStrike" cap="none" normalizeH="0" baseline="0">
-                        <a:solidFill>
-                          <a:schemeClr val="tx1"/>
-                        </a:solidFill>
-                        <a:effectLst/>
-                        <a:latin typeface="나눔바른고딕"/>
-                        <a:ea typeface="나눔바른고딕"/>
-                        <a:cs typeface="+mn-cs"/>
-                      </a:endParaRPr>
                     </a:p>
                   </a:txBody>
                   <a:tcPr marL="68580" marR="68580" marT="25718" marB="25718" horzOverflow="overflow">
@@ -10392,7 +10112,7 @@
                 </a:tc>
                 <a:tc>
                   <a:txBody>
-                    <a:bodyPr vert="horz" lIns="68580" tIns="25718" rIns="68580" bIns="25718" anchor="t" anchorCtr="0"/>
+                    <a:bodyPr/>
                     <a:lstStyle/>
                     <a:p>
                       <a:pPr marL="0" marR="0" lvl="0" indent="0" algn="l" defTabSz="914400" rtl="0" eaLnBrk="1" latinLnBrk="1" hangingPunct="1">
@@ -10422,15 +10142,6 @@
                         </a:rPr>
                         <a:t>29</a:t>
                       </a:r>
-                      <a:endParaRPr kumimoji="0" lang="en-US" altLang="ko-KR" sz="800" i="0" u="none" strike="noStrike" cap="none" normalizeH="0" baseline="0">
-                        <a:solidFill>
-                          <a:schemeClr val="tx1"/>
-                        </a:solidFill>
-                        <a:effectLst/>
-                        <a:latin typeface="나눔바른고딕"/>
-                        <a:ea typeface="나눔바른고딕"/>
-                        <a:cs typeface="+mn-cs"/>
-                      </a:endParaRPr>
                     </a:p>
                   </a:txBody>
                   <a:tcPr marL="68580" marR="68580" marT="25718" marB="25718" horzOverflow="overflow">
@@ -10489,7 +10200,7 @@
                 </a:tc>
                 <a:tc>
                   <a:txBody>
-                    <a:bodyPr vert="horz" lIns="68580" tIns="25718" rIns="68580" bIns="25718" anchor="t" anchorCtr="0"/>
+                    <a:bodyPr/>
                     <a:lstStyle/>
                     <a:p>
                       <a:pPr marL="0" marR="0" lvl="0" indent="0" algn="l" defTabSz="914400" rtl="0" eaLnBrk="1" latinLnBrk="1" hangingPunct="1">
@@ -10519,15 +10230,6 @@
                         </a:rPr>
                         <a:t>30</a:t>
                       </a:r>
-                      <a:endParaRPr kumimoji="0" lang="en-US" altLang="ko-KR" sz="800" i="0" u="none" strike="noStrike" cap="none" normalizeH="0" baseline="0">
-                        <a:solidFill>
-                          <a:schemeClr val="tx1"/>
-                        </a:solidFill>
-                        <a:effectLst/>
-                        <a:latin typeface="나눔바른고딕"/>
-                        <a:ea typeface="나눔바른고딕"/>
-                        <a:cs typeface="+mn-cs"/>
-                      </a:endParaRPr>
                     </a:p>
                   </a:txBody>
                   <a:tcPr marL="68580" marR="68580" marT="25718" marB="25718" horzOverflow="overflow">
@@ -10586,7 +10288,7 @@
                 </a:tc>
                 <a:tc>
                   <a:txBody>
-                    <a:bodyPr vert="horz" lIns="68580" tIns="25718" rIns="68580" bIns="25718" anchor="t" anchorCtr="0"/>
+                    <a:bodyPr/>
                     <a:lstStyle/>
                     <a:p>
                       <a:pPr marL="0" marR="0" lvl="0" indent="0" algn="l" defTabSz="914400" rtl="0" eaLnBrk="1" latinLnBrk="1" hangingPunct="1">
@@ -10616,15 +10318,6 @@
                         </a:rPr>
                         <a:t>31</a:t>
                       </a:r>
-                      <a:endParaRPr kumimoji="0" lang="en-US" altLang="ko-KR" sz="800" i="0" u="none" strike="noStrike" cap="none" normalizeH="0" baseline="0">
-                        <a:solidFill>
-                          <a:schemeClr val="tx1"/>
-                        </a:solidFill>
-                        <a:effectLst/>
-                        <a:latin typeface="나눔바른고딕"/>
-                        <a:ea typeface="나눔바른고딕"/>
-                        <a:cs typeface="+mn-cs"/>
-                      </a:endParaRPr>
                     </a:p>
                   </a:txBody>
                   <a:tcPr marL="68580" marR="68580" marT="25718" marB="25718" horzOverflow="overflow">
@@ -10683,7 +10376,7 @@
                 </a:tc>
                 <a:tc>
                   <a:txBody>
-                    <a:bodyPr vert="horz" lIns="68580" tIns="25718" rIns="68580" bIns="25718" anchor="t" anchorCtr="0"/>
+                    <a:bodyPr/>
                     <a:lstStyle/>
                     <a:p>
                       <a:pPr marL="0" marR="0" lvl="0" indent="0" algn="l" defTabSz="914400" rtl="0" eaLnBrk="1" latinLnBrk="1" hangingPunct="1">
@@ -10702,9 +10395,9 @@
                         <a:defRPr/>
                       </a:pPr>
                       <a:r>
-                        <a:rPr kumimoji="0" lang="en-US" altLang="ko-KR" sz="800" i="0" u="none" strike="noStrike" cap="none" normalizeH="0" baseline="0">
-                          <a:solidFill>
-                            <a:srgbClr val="0070c0"/>
+                        <a:rPr kumimoji="0" lang="en-US" altLang="ko-KR" sz="800" i="0" u="none" strike="noStrike" cap="none" normalizeH="0" baseline="0" dirty="0">
+                          <a:solidFill>
+                            <a:srgbClr val="0070C0"/>
                           </a:solidFill>
                           <a:effectLst/>
                           <a:latin typeface="나눔바른고딕"/>
@@ -10713,15 +10406,6 @@
                         </a:rPr>
                         <a:t>1</a:t>
                       </a:r>
-                      <a:endParaRPr kumimoji="0" lang="en-US" altLang="ko-KR" sz="800" i="0" u="none" strike="noStrike" cap="none" normalizeH="0" baseline="0">
-                        <a:solidFill>
-                          <a:srgbClr val="0070c0"/>
-                        </a:solidFill>
-                        <a:effectLst/>
-                        <a:latin typeface="나눔바른고딕"/>
-                        <a:ea typeface="나눔바른고딕"/>
-                        <a:cs typeface="+mn-cs"/>
-                      </a:endParaRPr>
                     </a:p>
                   </a:txBody>
                   <a:tcPr marL="68580" marR="68580" marT="25718" marB="25718" horzOverflow="overflow">
@@ -10778,11 +10462,16 @@
                     <a:noFill/>
                   </a:tcPr>
                 </a:tc>
+                <a:extLst>
+                  <a:ext uri="{0D108BD9-81ED-4DB2-BD59-A6C34878D82A}">
+                    <a16:rowId xmlns:a16="http://schemas.microsoft.com/office/drawing/2014/main" val="10006"/>
+                  </a:ext>
+                </a:extLst>
               </a:tr>
               <a:tr h="427961">
                 <a:tc>
                   <a:txBody>
-                    <a:bodyPr vert="horz" lIns="68580" tIns="25718" rIns="68580" bIns="25718" anchor="t" anchorCtr="0"/>
+                    <a:bodyPr/>
                     <a:lstStyle/>
                     <a:p>
                       <a:pPr marL="0" marR="0" lvl="0" indent="0" algn="l" defTabSz="914400" rtl="0" eaLnBrk="1" latinLnBrk="1" hangingPunct="1">
@@ -10803,7 +10492,7 @@
                       <a:r>
                         <a:rPr kumimoji="0" lang="en-US" altLang="ko-KR" sz="800" i="0" u="none" strike="noStrike" cap="none" normalizeH="0" baseline="0">
                           <a:solidFill>
-                            <a:srgbClr val="ff0000"/>
+                            <a:srgbClr val="FF0000"/>
                           </a:solidFill>
                           <a:effectLst/>
                           <a:latin typeface="나눔바른고딕"/>
@@ -10812,15 +10501,6 @@
                         </a:rPr>
                         <a:t>2</a:t>
                       </a:r>
-                      <a:endParaRPr kumimoji="0" lang="en-US" altLang="ko-KR" sz="800" i="0" u="none" strike="noStrike" cap="none" normalizeH="0" baseline="0">
-                        <a:solidFill>
-                          <a:srgbClr val="ff0000"/>
-                        </a:solidFill>
-                        <a:effectLst/>
-                        <a:latin typeface="나눔바른고딕"/>
-                        <a:ea typeface="나눔바른고딕"/>
-                        <a:cs typeface="+mn-cs"/>
-                      </a:endParaRPr>
                     </a:p>
                   </a:txBody>
                   <a:tcPr marL="68580" marR="68580" marT="25718" marB="25718" horzOverflow="overflow">
@@ -10879,7 +10559,7 @@
                 </a:tc>
                 <a:tc>
                   <a:txBody>
-                    <a:bodyPr vert="horz" lIns="68580" tIns="25718" rIns="68580" bIns="25718" anchor="t" anchorCtr="0"/>
+                    <a:bodyPr/>
                     <a:lstStyle/>
                     <a:p>
                       <a:pPr marL="0" marR="0" lvl="0" indent="0" algn="l" defTabSz="914400" rtl="0" eaLnBrk="1" latinLnBrk="1" hangingPunct="1">
@@ -10909,15 +10589,6 @@
                         </a:rPr>
                         <a:t>3</a:t>
                       </a:r>
-                      <a:endParaRPr kumimoji="0" lang="en-US" altLang="ko-KR" sz="800" i="0" u="none" strike="noStrike" cap="none" normalizeH="0" baseline="0">
-                        <a:solidFill>
-                          <a:schemeClr val="tx1"/>
-                        </a:solidFill>
-                        <a:effectLst/>
-                        <a:latin typeface="나눔바른고딕"/>
-                        <a:ea typeface="나눔바른고딕"/>
-                        <a:cs typeface="+mn-cs"/>
-                      </a:endParaRPr>
                     </a:p>
                   </a:txBody>
                   <a:tcPr marL="68580" marR="68580" marT="25718" marB="25718" horzOverflow="overflow">
@@ -10976,7 +10647,7 @@
                 </a:tc>
                 <a:tc>
                   <a:txBody>
-                    <a:bodyPr vert="horz" lIns="68580" tIns="25718" rIns="68580" bIns="25718" anchor="t" anchorCtr="0"/>
+                    <a:bodyPr/>
                     <a:lstStyle/>
                     <a:p>
                       <a:pPr marL="0" marR="0" lvl="0" indent="0" algn="l" defTabSz="914400" rtl="0" eaLnBrk="1" latinLnBrk="1" hangingPunct="1">
@@ -11006,15 +10677,6 @@
                         </a:rPr>
                         <a:t>4</a:t>
                       </a:r>
-                      <a:endParaRPr kumimoji="0" lang="en-US" altLang="ko-KR" sz="800" i="0" u="none" strike="noStrike" cap="none" normalizeH="0" baseline="0">
-                        <a:solidFill>
-                          <a:schemeClr val="tx1"/>
-                        </a:solidFill>
-                        <a:effectLst/>
-                        <a:latin typeface="나눔바른고딕"/>
-                        <a:ea typeface="나눔바른고딕"/>
-                        <a:cs typeface="+mn-cs"/>
-                      </a:endParaRPr>
                     </a:p>
                   </a:txBody>
                   <a:tcPr marL="68580" marR="68580" marT="25718" marB="25718" horzOverflow="overflow">
@@ -11073,7 +10735,7 @@
                 </a:tc>
                 <a:tc>
                   <a:txBody>
-                    <a:bodyPr vert="horz" lIns="68580" tIns="25718" rIns="68580" bIns="25718" anchor="t" anchorCtr="0"/>
+                    <a:bodyPr/>
                     <a:lstStyle/>
                     <a:p>
                       <a:pPr marL="0" marR="0" lvl="0" indent="0" algn="l" defTabSz="914400" rtl="0" eaLnBrk="1" latinLnBrk="1" hangingPunct="1">
@@ -11103,15 +10765,6 @@
                         </a:rPr>
                         <a:t>5</a:t>
                       </a:r>
-                      <a:endParaRPr kumimoji="0" lang="en-US" altLang="ko-KR" sz="800" i="0" u="none" strike="noStrike" cap="none" normalizeH="0" baseline="0">
-                        <a:solidFill>
-                          <a:schemeClr val="tx1"/>
-                        </a:solidFill>
-                        <a:effectLst/>
-                        <a:latin typeface="나눔바른고딕"/>
-                        <a:ea typeface="나눔바른고딕"/>
-                        <a:cs typeface="+mn-cs"/>
-                      </a:endParaRPr>
                     </a:p>
                   </a:txBody>
                   <a:tcPr marL="68580" marR="68580" marT="25718" marB="25718" horzOverflow="overflow">
@@ -11170,7 +10823,7 @@
                 </a:tc>
                 <a:tc>
                   <a:txBody>
-                    <a:bodyPr vert="horz" lIns="68580" tIns="25718" rIns="68580" bIns="25718" anchor="t" anchorCtr="0"/>
+                    <a:bodyPr/>
                     <a:lstStyle/>
                     <a:p>
                       <a:pPr marL="0" marR="0" lvl="0" indent="0" algn="l" defTabSz="914400" rtl="0" eaLnBrk="1" latinLnBrk="1" hangingPunct="1">
@@ -11200,15 +10853,6 @@
                         </a:rPr>
                         <a:t>6</a:t>
                       </a:r>
-                      <a:endParaRPr kumimoji="0" lang="en-US" altLang="ko-KR" sz="800" i="0" u="none" strike="noStrike" cap="none" normalizeH="0" baseline="0">
-                        <a:solidFill>
-                          <a:schemeClr val="tx1"/>
-                        </a:solidFill>
-                        <a:effectLst/>
-                        <a:latin typeface="나눔바른고딕"/>
-                        <a:ea typeface="나눔바른고딕"/>
-                        <a:cs typeface="+mn-cs"/>
-                      </a:endParaRPr>
                     </a:p>
                   </a:txBody>
                   <a:tcPr marL="68580" marR="68580" marT="25718" marB="25718" horzOverflow="overflow">
@@ -11267,7 +10911,7 @@
                 </a:tc>
                 <a:tc>
                   <a:txBody>
-                    <a:bodyPr vert="horz" lIns="68580" tIns="25718" rIns="68580" bIns="25718" anchor="t" anchorCtr="0"/>
+                    <a:bodyPr/>
                     <a:lstStyle/>
                     <a:p>
                       <a:pPr marL="0" marR="0" lvl="0" indent="0" algn="l" defTabSz="914400" rtl="0" eaLnBrk="1" latinLnBrk="1" hangingPunct="1">
@@ -11297,15 +10941,6 @@
                         </a:rPr>
                         <a:t>7</a:t>
                       </a:r>
-                      <a:endParaRPr kumimoji="0" lang="en-US" altLang="ko-KR" sz="800" i="0" u="none" strike="noStrike" cap="none" normalizeH="0" baseline="0">
-                        <a:solidFill>
-                          <a:schemeClr val="tx1"/>
-                        </a:solidFill>
-                        <a:effectLst/>
-                        <a:latin typeface="나눔바른고딕"/>
-                        <a:ea typeface="나눔바른고딕"/>
-                        <a:cs typeface="+mn-cs"/>
-                      </a:endParaRPr>
                     </a:p>
                   </a:txBody>
                   <a:tcPr marL="68580" marR="68580" marT="25718" marB="25718" horzOverflow="overflow">
@@ -11364,7 +10999,7 @@
                 </a:tc>
                 <a:tc>
                   <a:txBody>
-                    <a:bodyPr vert="horz" lIns="68580" tIns="25718" rIns="68580" bIns="25718" anchor="t" anchorCtr="0"/>
+                    <a:bodyPr/>
                     <a:lstStyle/>
                     <a:p>
                       <a:pPr marL="0" marR="0" lvl="0" indent="0" algn="l" defTabSz="914400" rtl="0" eaLnBrk="1" latinLnBrk="1" hangingPunct="1">
@@ -11385,7 +11020,7 @@
                       <a:r>
                         <a:rPr kumimoji="0" lang="en-US" altLang="ko-KR" sz="800" i="0" u="none" strike="noStrike" cap="none" normalizeH="0" baseline="0">
                           <a:solidFill>
-                            <a:srgbClr val="0070c0"/>
+                            <a:srgbClr val="0070C0"/>
                           </a:solidFill>
                           <a:effectLst/>
                           <a:latin typeface="나눔바른고딕"/>
@@ -11394,15 +11029,6 @@
                         </a:rPr>
                         <a:t>8</a:t>
                       </a:r>
-                      <a:endParaRPr kumimoji="0" lang="en-US" altLang="ko-KR" sz="800" i="0" u="none" strike="noStrike" cap="none" normalizeH="0" baseline="0">
-                        <a:solidFill>
-                          <a:srgbClr val="0070c0"/>
-                        </a:solidFill>
-                        <a:effectLst/>
-                        <a:latin typeface="나눔바른고딕"/>
-                        <a:ea typeface="나눔바른고딕"/>
-                        <a:cs typeface="+mn-cs"/>
-                      </a:endParaRPr>
                     </a:p>
                   </a:txBody>
                   <a:tcPr marL="68580" marR="68580" marT="25718" marB="25718" horzOverflow="overflow">
@@ -11459,11 +11085,16 @@
                     <a:noFill/>
                   </a:tcPr>
                 </a:tc>
+                <a:extLst>
+                  <a:ext uri="{0D108BD9-81ED-4DB2-BD59-A6C34878D82A}">
+                    <a16:rowId xmlns:a16="http://schemas.microsoft.com/office/drawing/2014/main" val="10007"/>
+                  </a:ext>
+                </a:extLst>
               </a:tr>
               <a:tr h="427961">
                 <a:tc>
                   <a:txBody>
-                    <a:bodyPr vert="horz" lIns="68580" tIns="25718" rIns="68580" bIns="25718" anchor="t" anchorCtr="0"/>
+                    <a:bodyPr/>
                     <a:lstStyle/>
                     <a:p>
                       <a:pPr marL="0" marR="0" lvl="0" indent="0" algn="l" defTabSz="914400" rtl="0" eaLnBrk="1" latinLnBrk="1" hangingPunct="1">
@@ -11484,7 +11115,7 @@
                       <a:r>
                         <a:rPr kumimoji="0" lang="en-US" altLang="ko-KR" sz="800" i="0" u="none" strike="noStrike" cap="none" normalizeH="0" baseline="0">
                           <a:solidFill>
-                            <a:srgbClr val="ff0000"/>
+                            <a:srgbClr val="FF0000"/>
                           </a:solidFill>
                           <a:effectLst/>
                           <a:latin typeface="나눔바른고딕"/>
@@ -11493,15 +11124,6 @@
                         </a:rPr>
                         <a:t>9</a:t>
                       </a:r>
-                      <a:endParaRPr kumimoji="0" lang="en-US" altLang="ko-KR" sz="800" i="0" u="none" strike="noStrike" cap="none" normalizeH="0" baseline="0">
-                        <a:solidFill>
-                          <a:srgbClr val="ff0000"/>
-                        </a:solidFill>
-                        <a:effectLst/>
-                        <a:latin typeface="나눔바른고딕"/>
-                        <a:ea typeface="나눔바른고딕"/>
-                        <a:cs typeface="+mn-cs"/>
-                      </a:endParaRPr>
                     </a:p>
                   </a:txBody>
                   <a:tcPr marL="68580" marR="68580" marT="25718" marB="25718" horzOverflow="overflow">
@@ -11560,7 +11182,7 @@
                 </a:tc>
                 <a:tc>
                   <a:txBody>
-                    <a:bodyPr vert="horz" lIns="68580" tIns="25718" rIns="68580" bIns="25718" anchor="t" anchorCtr="0"/>
+                    <a:bodyPr/>
                     <a:lstStyle/>
                     <a:p>
                       <a:pPr marL="0" marR="0" lvl="0" indent="0" algn="l" defTabSz="914400" rtl="0" eaLnBrk="1" latinLnBrk="1" hangingPunct="1">
@@ -11590,15 +11212,6 @@
                         </a:rPr>
                         <a:t>10</a:t>
                       </a:r>
-                      <a:endParaRPr kumimoji="0" lang="en-US" altLang="ko-KR" sz="800" i="0" u="none" strike="noStrike" cap="none" normalizeH="0" baseline="0">
-                        <a:solidFill>
-                          <a:schemeClr val="tx1"/>
-                        </a:solidFill>
-                        <a:effectLst/>
-                        <a:latin typeface="나눔바른고딕"/>
-                        <a:ea typeface="나눔바른고딕"/>
-                        <a:cs typeface="+mn-cs"/>
-                      </a:endParaRPr>
                     </a:p>
                   </a:txBody>
                   <a:tcPr marL="68580" marR="68580" marT="25718" marB="25718" horzOverflow="overflow">
@@ -11657,7 +11270,7 @@
                 </a:tc>
                 <a:tc>
                   <a:txBody>
-                    <a:bodyPr vert="horz" lIns="68580" tIns="25718" rIns="68580" bIns="25718" anchor="t" anchorCtr="0"/>
+                    <a:bodyPr/>
                     <a:lstStyle/>
                     <a:p>
                       <a:pPr marL="0" marR="0" lvl="0" indent="0" algn="l" defTabSz="914400" rtl="0" eaLnBrk="1" latinLnBrk="1" hangingPunct="1">
@@ -11687,15 +11300,6 @@
                         </a:rPr>
                         <a:t>11</a:t>
                       </a:r>
-                      <a:endParaRPr kumimoji="0" lang="en-US" altLang="ko-KR" sz="800" i="0" u="none" strike="noStrike" cap="none" normalizeH="0" baseline="0">
-                        <a:solidFill>
-                          <a:schemeClr val="tx1"/>
-                        </a:solidFill>
-                        <a:effectLst/>
-                        <a:latin typeface="나눔바른고딕"/>
-                        <a:ea typeface="나눔바른고딕"/>
-                        <a:cs typeface="+mn-cs"/>
-                      </a:endParaRPr>
                     </a:p>
                   </a:txBody>
                   <a:tcPr marL="68580" marR="68580" marT="25718" marB="25718" horzOverflow="overflow">
@@ -11754,7 +11358,7 @@
                 </a:tc>
                 <a:tc>
                   <a:txBody>
-                    <a:bodyPr vert="horz" lIns="68580" tIns="25718" rIns="68580" bIns="25718" anchor="t" anchorCtr="0"/>
+                    <a:bodyPr/>
                     <a:lstStyle/>
                     <a:p>
                       <a:pPr marL="0" marR="0" lvl="0" indent="0" algn="l" defTabSz="914400" rtl="0" eaLnBrk="1" latinLnBrk="1" hangingPunct="1">
@@ -11784,15 +11388,6 @@
                         </a:rPr>
                         <a:t>12</a:t>
                       </a:r>
-                      <a:endParaRPr kumimoji="0" lang="en-US" altLang="ko-KR" sz="800" i="0" u="none" strike="noStrike" cap="none" normalizeH="0" baseline="0">
-                        <a:solidFill>
-                          <a:schemeClr val="tx1"/>
-                        </a:solidFill>
-                        <a:effectLst/>
-                        <a:latin typeface="나눔바른고딕"/>
-                        <a:ea typeface="나눔바른고딕"/>
-                        <a:cs typeface="+mn-cs"/>
-                      </a:endParaRPr>
                     </a:p>
                     <a:p>
                       <a:pPr marL="0" marR="0" lvl="0" indent="0" algn="ctr" defTabSz="914400" rtl="0" eaLnBrk="1" latinLnBrk="1" hangingPunct="1">
@@ -11834,15 +11429,6 @@
                         </a:rPr>
                         <a:t>D-DAY</a:t>
                       </a:r>
-                      <a:endParaRPr kumimoji="0" lang="en-US" altLang="ko-KR" sz="800" i="0" u="none" strike="noStrike" cap="none" normalizeH="0" baseline="0">
-                        <a:solidFill>
-                          <a:schemeClr val="tx1"/>
-                        </a:solidFill>
-                        <a:effectLst/>
-                        <a:latin typeface="나눔바른고딕"/>
-                        <a:ea typeface="나눔바른고딕"/>
-                        <a:cs typeface="+mn-cs"/>
-                      </a:endParaRPr>
                     </a:p>
                   </a:txBody>
                   <a:tcPr marL="68580" marR="68580" marT="25718" marB="25718" horzOverflow="overflow">
@@ -11901,7 +11487,7 @@
                 </a:tc>
                 <a:tc>
                   <a:txBody>
-                    <a:bodyPr vert="horz" lIns="68580" tIns="25718" rIns="68580" bIns="25718" anchor="t" anchorCtr="0"/>
+                    <a:bodyPr/>
                     <a:lstStyle/>
                     <a:p>
                       <a:pPr marL="0" marR="0" lvl="0" indent="0" algn="l" defTabSz="914400" rtl="0" eaLnBrk="1" latinLnBrk="1" hangingPunct="1">
@@ -11986,7 +11572,7 @@
                 </a:tc>
                 <a:tc>
                   <a:txBody>
-                    <a:bodyPr vert="horz" lIns="68580" tIns="25718" rIns="68580" bIns="25718" anchor="t" anchorCtr="0"/>
+                    <a:bodyPr/>
                     <a:lstStyle/>
                     <a:p>
                       <a:pPr marL="0" marR="0" lvl="0" indent="0" algn="l" defTabSz="914400" rtl="0" eaLnBrk="1" latinLnBrk="1" hangingPunct="1">
@@ -12071,7 +11657,7 @@
                 </a:tc>
                 <a:tc>
                   <a:txBody>
-                    <a:bodyPr vert="horz" lIns="68580" tIns="25718" rIns="68580" bIns="25718" anchor="t" anchorCtr="0"/>
+                    <a:bodyPr/>
                     <a:lstStyle/>
                     <a:p>
                       <a:pPr marL="0" marR="0" lvl="0" indent="0" algn="l" defTabSz="914400" rtl="0" eaLnBrk="1" latinLnBrk="1" hangingPunct="1">
@@ -12089,9 +11675,9 @@
                         <a:buNone/>
                         <a:defRPr/>
                       </a:pPr>
-                      <a:endParaRPr kumimoji="0" lang="en-US" altLang="ko-KR" sz="600" b="0" i="0" u="none" strike="noStrike" cap="none" normalizeH="0" baseline="0">
+                      <a:endParaRPr kumimoji="0" lang="en-US" altLang="ko-KR" sz="600" b="0" i="0" u="none" strike="noStrike" cap="none" normalizeH="0" baseline="0" dirty="0">
                         <a:solidFill>
-                          <a:srgbClr val="0070c0"/>
+                          <a:srgbClr val="0070C0"/>
                         </a:solidFill>
                         <a:effectLst/>
                         <a:latin typeface="나눔바른고딕"/>
@@ -12154,6 +11740,11 @@
                     <a:noFill/>
                   </a:tcPr>
                 </a:tc>
+                <a:extLst>
+                  <a:ext uri="{0D108BD9-81ED-4DB2-BD59-A6C34878D82A}">
+                    <a16:rowId xmlns:a16="http://schemas.microsoft.com/office/drawing/2014/main" val="10008"/>
+                  </a:ext>
+                </a:extLst>
               </a:tr>
             </a:tbl>
           </a:graphicData>
@@ -12238,17 +11829,6 @@
               </a:rPr>
               <a:t>2023.02-03</a:t>
             </a:r>
-            <a:endParaRPr lang="en-US" altLang="ko-KR">
-              <a:solidFill>
-                <a:schemeClr val="tx1">
-                  <a:lumMod val="65000"/>
-                  <a:lumOff val="35000"/>
-                </a:schemeClr>
-              </a:solidFill>
-              <a:latin typeface="+mn-ea"/>
-              <a:ea typeface="+mn-ea"/>
-              <a:cs typeface="+mn-cs"/>
-            </a:endParaRPr>
           </a:p>
         </p:txBody>
       </p:sp>
@@ -12340,7 +11920,7 @@
             </a:avLst>
           </a:prstGeom>
           <a:solidFill>
-            <a:srgbClr val="e8f5ff"/>
+            <a:srgbClr val="E8F5FF"/>
           </a:solidFill>
           <a:ln>
             <a:noFill/>
@@ -12380,7 +11960,7 @@
               <a:defRPr/>
             </a:pPr>
             <a:r>
-              <a:rPr xmlns:mc="http://schemas.openxmlformats.org/markup-compatibility/2006" xmlns:hp="http://schemas.haansoft.com/office/presentation/8.0" kumimoji="1" lang="ko-KR" altLang="en-US" sz="900" b="1" i="0" u="none" strike="noStrike" kern="1200" cap="none" spc="0" normalizeH="0" baseline="0" mc:Ignorable="hp" hp:hslEmbossed="0">
+              <a:rPr kumimoji="1" lang="ko-KR" altLang="en-US" sz="900" b="1" i="0" u="none" strike="noStrike" kern="1200" cap="none" spc="0" normalizeH="0" baseline="0">
                 <a:solidFill>
                   <a:srgbClr val="262626"/>
                 </a:solidFill>
@@ -12401,14 +11981,6 @@
               </a:rPr>
               <a:t> 및 기획서 작성</a:t>
             </a:r>
-            <a:endParaRPr lang="ko-KR" altLang="en-US" sz="900" b="1">
-              <a:solidFill>
-                <a:schemeClr val="tx1">
-                  <a:lumMod val="85000"/>
-                  <a:lumOff val="15000"/>
-                </a:schemeClr>
-              </a:solidFill>
-            </a:endParaRPr>
           </a:p>
         </p:txBody>
       </p:sp>
@@ -12429,7 +12001,7 @@
             </a:avLst>
           </a:prstGeom>
           <a:solidFill>
-            <a:srgbClr val="f4ffff"/>
+            <a:srgbClr val="F4FFFF"/>
           </a:solidFill>
           <a:ln>
             <a:noFill/>
@@ -12459,7 +12031,7 @@
               <a:defRPr/>
             </a:pPr>
             <a:r>
-              <a:rPr lang="ko-KR" altLang="en-US" sz="900" b="1">
+              <a:rPr lang="ko-KR" altLang="en-US" sz="900" b="1" dirty="0">
                 <a:solidFill>
                   <a:schemeClr val="tx1">
                     <a:lumMod val="85000"/>
@@ -12469,14 +12041,6 @@
               </a:rPr>
               <a:t>프로젝트  주제 선정 및 기획의도 수립</a:t>
             </a:r>
-            <a:endParaRPr lang="ko-KR" altLang="en-US" sz="900" b="1">
-              <a:solidFill>
-                <a:schemeClr val="tx1">
-                  <a:lumMod val="85000"/>
-                  <a:lumOff val="15000"/>
-                </a:schemeClr>
-              </a:solidFill>
-            </a:endParaRPr>
           </a:p>
         </p:txBody>
       </p:sp>
@@ -12497,7 +12061,7 @@
             </a:avLst>
           </a:prstGeom>
           <a:solidFill>
-            <a:srgbClr val="d2e1ff"/>
+            <a:srgbClr val="D2E1FF"/>
           </a:solidFill>
           <a:ln>
             <a:noFill/>
@@ -12527,7 +12091,7 @@
               <a:defRPr/>
             </a:pPr>
             <a:r>
-              <a:rPr lang="ko-KR" altLang="en-US" sz="900" b="1">
+              <a:rPr lang="ko-KR" altLang="en-US" sz="800" b="1" dirty="0">
                 <a:solidFill>
                   <a:schemeClr val="tx1">
                     <a:lumMod val="85000"/>
@@ -12537,14 +12101,50 @@
               </a:rPr>
               <a:t>요구사항 정의서 및 명세서 작성</a:t>
             </a:r>
-            <a:endParaRPr lang="ko-KR" altLang="en-US" sz="900" b="1">
-              <a:solidFill>
-                <a:schemeClr val="tx1">
-                  <a:lumMod val="85000"/>
-                  <a:lumOff val="15000"/>
-                </a:schemeClr>
-              </a:solidFill>
-            </a:endParaRPr>
+            <a:r>
+              <a:rPr lang="en-US" altLang="ko-KR" sz="800" b="1" dirty="0">
+                <a:solidFill>
+                  <a:schemeClr val="tx1">
+                    <a:lumMod val="85000"/>
+                    <a:lumOff val="15000"/>
+                  </a:schemeClr>
+                </a:solidFill>
+              </a:rPr>
+              <a:t>, </a:t>
+            </a:r>
+            <a:r>
+              <a:rPr lang="ko-KR" altLang="en-US" sz="800" b="1" dirty="0">
+                <a:solidFill>
+                  <a:schemeClr val="tx1">
+                    <a:lumMod val="85000"/>
+                    <a:lumOff val="15000"/>
+                  </a:schemeClr>
+                </a:solidFill>
+              </a:rPr>
+              <a:t>결제기능 </a:t>
+            </a:r>
+            <a:r>
+              <a:rPr lang="en-US" altLang="ko-KR" sz="800" b="1" dirty="0">
+                <a:solidFill>
+                  <a:schemeClr val="tx1">
+                    <a:lumMod val="85000"/>
+                    <a:lumOff val="15000"/>
+                  </a:schemeClr>
+                </a:solidFill>
+              </a:rPr>
+              <a:t>API</a:t>
+            </a:r>
+            <a:r>
+              <a:rPr lang="ko-KR" altLang="en-US" sz="800" b="1" dirty="0">
+                <a:solidFill>
+                  <a:schemeClr val="tx1">
+                    <a:lumMod val="85000"/>
+                    <a:lumOff val="15000"/>
+                  </a:schemeClr>
+                </a:solidFill>
+              </a:rPr>
+              <a:t>로 구현</a:t>
+            </a:r>
           </a:p>
         </p:txBody>
       </p:sp>
@@ -12565,7 +12165,7 @@
             </a:avLst>
           </a:prstGeom>
           <a:solidFill>
-            <a:srgbClr val="dcebff">
+            <a:srgbClr val="DCEBFF">
               <a:alpha val="100000"/>
             </a:srgbClr>
           </a:solidFill>
@@ -12576,6 +12176,7 @@
         </p:spPr>
         <p:txBody>
           <a:bodyPr anchor="ctr"/>
+          <a:lstStyle/>
           <a:p>
             <a:pPr marL="0" lvl="0" indent="0" algn="ctr" rtl="0" eaLnBrk="1" latinLnBrk="1" hangingPunct="1">
               <a:lnSpc>
@@ -12591,7 +12192,7 @@
               <a:defRPr/>
             </a:pPr>
             <a:r>
-              <a:rPr xmlns:mc="http://schemas.openxmlformats.org/markup-compatibility/2006" xmlns:hp="http://schemas.haansoft.com/office/presentation/8.0" kumimoji="1" lang="ko-KR" altLang="en-US" sz="900" b="1" i="0" u="none" strike="noStrike" kern="1200" cap="none" spc="0" normalizeH="0" baseline="0" mc:Ignorable="hp" hp:hslEmbossed="0">
+              <a:rPr kumimoji="1" lang="ko-KR" altLang="en-US" sz="900" b="1" i="0" u="none" strike="noStrike" kern="1200" cap="none" spc="0" normalizeH="0" baseline="0">
                 <a:solidFill>
                   <a:srgbClr val="262626"/>
                 </a:solidFill>
@@ -12601,14 +12202,6 @@
               </a:rPr>
               <a:t>요구사항별 역할분담</a:t>
             </a:r>
-            <a:endParaRPr xmlns:mc="http://schemas.openxmlformats.org/markup-compatibility/2006" xmlns:hp="http://schemas.haansoft.com/office/presentation/8.0" kumimoji="1" lang="ko-KR" altLang="en-US" sz="900" b="1" i="0" u="none" strike="noStrike" kern="1200" cap="none" spc="0" normalizeH="0" baseline="0" mc:Ignorable="hp" hp:hslEmbossed="0">
-              <a:solidFill>
-                <a:srgbClr val="262626"/>
-              </a:solidFill>
-              <a:latin typeface="나눔고딕"/>
-              <a:ea typeface="나눔고딕"/>
-              <a:cs typeface="나눔고딕"/>
-            </a:endParaRPr>
           </a:p>
         </p:txBody>
       </p:sp>
@@ -12629,7 +12222,7 @@
             </a:avLst>
           </a:prstGeom>
           <a:solidFill>
-            <a:srgbClr val="c8d7ff"/>
+            <a:srgbClr val="C8D7FF"/>
           </a:solidFill>
           <a:ln w="25400" cap="flat" cmpd="sng" algn="ctr">
             <a:noFill/>
@@ -12638,6 +12231,7 @@
         </p:spPr>
         <p:txBody>
           <a:bodyPr anchor="ctr"/>
+          <a:lstStyle/>
           <a:p>
             <a:pPr marL="0" lvl="0" indent="0" algn="ctr" rtl="0" eaLnBrk="1" latinLnBrk="1" hangingPunct="1">
               <a:lnSpc>
@@ -12653,7 +12247,7 @@
               <a:defRPr/>
             </a:pPr>
             <a:r>
-              <a:rPr xmlns:mc="http://schemas.openxmlformats.org/markup-compatibility/2006" xmlns:hp="http://schemas.haansoft.com/office/presentation/8.0" kumimoji="1" lang="ko-KR" altLang="en-US" sz="900" b="1" i="0" u="none" strike="noStrike" kern="1200" cap="none" spc="0" normalizeH="0" baseline="0" mc:Ignorable="hp" hp:hslEmbossed="0">
+              <a:rPr kumimoji="1" lang="ko-KR" altLang="en-US" sz="700" b="1" i="0" u="none" strike="noStrike" kern="1200" cap="none" spc="0" normalizeH="0" baseline="0" dirty="0" err="1">
                 <a:solidFill>
                   <a:srgbClr val="262626"/>
                 </a:solidFill>
@@ -12661,16 +12255,63 @@
                 <a:ea typeface="나눔고딕"/>
                 <a:cs typeface="나눔고딕"/>
               </a:rPr>
-              <a:t>유스케이스 및 기술서 작성</a:t>
+              <a:t>유스케이스</a:t>
             </a:r>
-            <a:endParaRPr xmlns:mc="http://schemas.openxmlformats.org/markup-compatibility/2006" xmlns:hp="http://schemas.haansoft.com/office/presentation/8.0" kumimoji="1" lang="ko-KR" altLang="en-US" sz="900" b="1" i="0" u="none" strike="noStrike" kern="1200" cap="none" spc="0" normalizeH="0" baseline="0" mc:Ignorable="hp" hp:hslEmbossed="0">
-              <a:solidFill>
-                <a:srgbClr val="262626"/>
-              </a:solidFill>
-              <a:latin typeface="나눔고딕"/>
-              <a:ea typeface="나눔고딕"/>
-              <a:cs typeface="나눔고딕"/>
-            </a:endParaRPr>
+            <a:r>
+              <a:rPr kumimoji="1" lang="ko-KR" altLang="en-US" sz="700" b="1" i="0" u="none" strike="noStrike" kern="1200" cap="none" spc="0" normalizeH="0" baseline="0" dirty="0">
+                <a:solidFill>
+                  <a:srgbClr val="262626"/>
+                </a:solidFill>
+                <a:latin typeface="나눔고딕"/>
+                <a:ea typeface="나눔고딕"/>
+                <a:cs typeface="나눔고딕"/>
+              </a:rPr>
+              <a:t> 및 기술서 작성</a:t>
+            </a:r>
+            <a:r>
+              <a:rPr kumimoji="1" lang="en-US" altLang="ko-KR" sz="700" b="1" i="0" u="none" strike="noStrike" kern="1200" cap="none" spc="0" normalizeH="0" baseline="0" dirty="0">
+                <a:solidFill>
+                  <a:srgbClr val="262626"/>
+                </a:solidFill>
+                <a:latin typeface="나눔고딕"/>
+                <a:ea typeface="나눔고딕"/>
+                <a:cs typeface="나눔고딕"/>
+              </a:rPr>
+              <a:t>, </a:t>
+            </a:r>
+            <a:r>
+              <a:rPr kumimoji="1" lang="ko-KR" altLang="en-US" sz="700" b="1" i="0" u="none" strike="noStrike" kern="1200" cap="none" spc="0" normalizeH="0" baseline="0" dirty="0">
+                <a:solidFill>
+                  <a:srgbClr val="262626"/>
+                </a:solidFill>
+                <a:latin typeface="나눔고딕"/>
+                <a:ea typeface="나눔고딕"/>
+                <a:cs typeface="나눔고딕"/>
+              </a:rPr>
+              <a:t>환불기능 </a:t>
+            </a:r>
+            <a:r>
+              <a:rPr kumimoji="1" lang="en-US" altLang="ko-KR" sz="700" b="1" i="0" u="none" strike="noStrike" kern="1200" cap="none" spc="0" normalizeH="0" baseline="0" dirty="0">
+                <a:solidFill>
+                  <a:srgbClr val="262626"/>
+                </a:solidFill>
+                <a:latin typeface="나눔고딕"/>
+                <a:ea typeface="나눔고딕"/>
+                <a:cs typeface="나눔고딕"/>
+              </a:rPr>
+              <a:t>API</a:t>
+            </a:r>
+            <a:r>
+              <a:rPr kumimoji="1" lang="ko-KR" altLang="en-US" sz="700" b="1" i="0" u="none" strike="noStrike" kern="1200" cap="none" spc="0" normalizeH="0" baseline="0" dirty="0">
+                <a:solidFill>
+                  <a:srgbClr val="262626"/>
+                </a:solidFill>
+                <a:latin typeface="나눔고딕"/>
+                <a:ea typeface="나눔고딕"/>
+                <a:cs typeface="나눔고딕"/>
+              </a:rPr>
+              <a:t>로 구현</a:t>
+            </a:r>
           </a:p>
         </p:txBody>
       </p:sp>
@@ -12691,7 +12332,7 @@
             </a:avLst>
           </a:prstGeom>
           <a:solidFill>
-            <a:srgbClr val="becdff">
+            <a:srgbClr val="BECDFF">
               <a:alpha val="100000"/>
             </a:srgbClr>
           </a:solidFill>
@@ -12702,6 +12343,7 @@
         </p:spPr>
         <p:txBody>
           <a:bodyPr anchor="ctr"/>
+          <a:lstStyle/>
           <a:p>
             <a:pPr marL="0" lvl="0" indent="0" algn="ctr" rtl="0" eaLnBrk="1" latinLnBrk="1" hangingPunct="1">
               <a:lnSpc>
@@ -12717,7 +12359,7 @@
               <a:defRPr/>
             </a:pPr>
             <a:r>
-              <a:rPr xmlns:mc="http://schemas.openxmlformats.org/markup-compatibility/2006" xmlns:hp="http://schemas.haansoft.com/office/presentation/8.0" kumimoji="1" lang="en-US" altLang="ko-KR" sz="900" b="1" i="0" u="none" strike="noStrike" kern="1200" cap="none" spc="0" normalizeH="0" baseline="0" mc:Ignorable="hp" hp:hslEmbossed="0">
+              <a:rPr kumimoji="1" lang="en-US" altLang="ko-KR" sz="800" b="1" i="0" u="none" strike="noStrike" kern="1200" cap="none" spc="0" normalizeH="0" baseline="0" dirty="0">
                 <a:solidFill>
                   <a:srgbClr val="262626"/>
                 </a:solidFill>
@@ -12728,7 +12370,7 @@
               <a:t>ERD </a:t>
             </a:r>
             <a:r>
-              <a:rPr xmlns:mc="http://schemas.openxmlformats.org/markup-compatibility/2006" xmlns:hp="http://schemas.haansoft.com/office/presentation/8.0" kumimoji="1" lang="ko-KR" altLang="en-US" sz="900" b="1" i="0" u="none" strike="noStrike" kern="1200" cap="none" spc="0" normalizeH="0" baseline="0" mc:Ignorable="hp" hp:hslEmbossed="0">
+              <a:rPr kumimoji="1" lang="ko-KR" altLang="en-US" sz="800" b="1" i="0" u="none" strike="noStrike" kern="1200" cap="none" spc="0" normalizeH="0" baseline="0" dirty="0">
                 <a:solidFill>
                   <a:srgbClr val="262626"/>
                 </a:solidFill>
@@ -12738,14 +12380,28 @@
               </a:rPr>
               <a:t>설계 및 테이블 명세서 작성</a:t>
             </a:r>
-            <a:endParaRPr xmlns:mc="http://schemas.openxmlformats.org/markup-compatibility/2006" xmlns:hp="http://schemas.haansoft.com/office/presentation/8.0" kumimoji="1" lang="ko-KR" altLang="en-US" sz="900" b="1" i="0" u="none" strike="noStrike" kern="1200" cap="none" spc="0" normalizeH="0" baseline="0" mc:Ignorable="hp" hp:hslEmbossed="0">
-              <a:solidFill>
-                <a:srgbClr val="262626"/>
-              </a:solidFill>
-              <a:latin typeface="나눔고딕"/>
-              <a:ea typeface="나눔고딕"/>
-              <a:cs typeface="나눔고딕"/>
-            </a:endParaRPr>
+            <a:r>
+              <a:rPr kumimoji="1" lang="en-US" altLang="ko-KR" sz="800" b="1" i="0" u="none" strike="noStrike" kern="1200" cap="none" spc="0" normalizeH="0" baseline="0" dirty="0">
+                <a:solidFill>
+                  <a:srgbClr val="262626"/>
+                </a:solidFill>
+                <a:latin typeface="나눔고딕"/>
+                <a:ea typeface="나눔고딕"/>
+                <a:cs typeface="나눔고딕"/>
+              </a:rPr>
+              <a:t>, </a:t>
+            </a:r>
+            <a:r>
+              <a:rPr kumimoji="1" lang="ko-KR" altLang="en-US" sz="800" b="1" i="0" u="none" strike="noStrike" kern="1200" cap="none" spc="0" normalizeH="0" baseline="0" dirty="0">
+                <a:solidFill>
+                  <a:srgbClr val="262626"/>
+                </a:solidFill>
+                <a:latin typeface="나눔고딕"/>
+                <a:ea typeface="나눔고딕"/>
+                <a:cs typeface="나눔고딕"/>
+              </a:rPr>
+              <a:t>결제내역 조회 구현</a:t>
+            </a:r>
           </a:p>
         </p:txBody>
       </p:sp>
@@ -12766,7 +12422,7 @@
             </a:avLst>
           </a:prstGeom>
           <a:solidFill>
-            <a:srgbClr val="b4c3ff">
+            <a:srgbClr val="B4C3FF">
               <a:alpha val="100000"/>
             </a:srgbClr>
           </a:solidFill>
@@ -12777,6 +12433,7 @@
         </p:spPr>
         <p:txBody>
           <a:bodyPr anchor="ctr"/>
+          <a:lstStyle/>
           <a:p>
             <a:pPr marL="0" lvl="0" indent="0" algn="ctr" rtl="0" eaLnBrk="1" latinLnBrk="1" hangingPunct="1">
               <a:lnSpc>
@@ -12792,7 +12449,7 @@
               <a:defRPr/>
             </a:pPr>
             <a:r>
-              <a:rPr xmlns:mc="http://schemas.openxmlformats.org/markup-compatibility/2006" xmlns:hp="http://schemas.haansoft.com/office/presentation/8.0" kumimoji="1" lang="ko-KR" altLang="en-US" sz="900" b="1" i="0" u="none" strike="noStrike" kern="1200" cap="none" spc="0" normalizeH="0" baseline="0" mc:Ignorable="hp" hp:hslEmbossed="0">
+              <a:rPr kumimoji="1" lang="ko-KR" altLang="en-US" sz="700" b="1" i="0" u="none" strike="noStrike" kern="1200" cap="none" spc="0" normalizeH="0" baseline="0" dirty="0">
                 <a:solidFill>
                   <a:srgbClr val="262626"/>
                 </a:solidFill>
@@ -12803,7 +12460,7 @@
               <a:t>논리적</a:t>
             </a:r>
             <a:r>
-              <a:rPr xmlns:mc="http://schemas.openxmlformats.org/markup-compatibility/2006" xmlns:hp="http://schemas.haansoft.com/office/presentation/8.0" kumimoji="1" lang="en-US" altLang="ko-KR" sz="900" b="1" i="0" u="none" strike="noStrike" kern="1200" cap="none" spc="0" normalizeH="0" baseline="0" mc:Ignorable="hp" hp:hslEmbossed="0">
+              <a:rPr kumimoji="1" lang="en-US" altLang="ko-KR" sz="700" b="1" i="0" u="none" strike="noStrike" kern="1200" cap="none" spc="0" normalizeH="0" baseline="0" dirty="0">
                 <a:solidFill>
                   <a:srgbClr val="262626"/>
                 </a:solidFill>
@@ -12814,7 +12471,7 @@
               <a:t>,</a:t>
             </a:r>
             <a:r>
-              <a:rPr xmlns:mc="http://schemas.openxmlformats.org/markup-compatibility/2006" xmlns:hp="http://schemas.haansoft.com/office/presentation/8.0" kumimoji="1" lang="ko-KR" altLang="en-US" sz="900" b="1" i="0" u="none" strike="noStrike" kern="1200" cap="none" spc="0" normalizeH="0" baseline="0" mc:Ignorable="hp" hp:hslEmbossed="0">
+              <a:rPr kumimoji="1" lang="ko-KR" altLang="en-US" sz="700" b="1" i="0" u="none" strike="noStrike" kern="1200" cap="none" spc="0" normalizeH="0" baseline="0" dirty="0">
                 <a:solidFill>
                   <a:srgbClr val="262626"/>
                 </a:solidFill>
@@ -12824,14 +12481,28 @@
               </a:rPr>
               <a:t>물리적 모델링</a:t>
             </a:r>
-            <a:endParaRPr xmlns:mc="http://schemas.openxmlformats.org/markup-compatibility/2006" xmlns:hp="http://schemas.haansoft.com/office/presentation/8.0" kumimoji="1" lang="ko-KR" altLang="en-US" sz="900" b="1" i="0" u="none" strike="noStrike" kern="1200" cap="none" spc="0" normalizeH="0" baseline="0" mc:Ignorable="hp" hp:hslEmbossed="0">
-              <a:solidFill>
-                <a:srgbClr val="262626"/>
-              </a:solidFill>
-              <a:latin typeface="나눔고딕"/>
-              <a:ea typeface="나눔고딕"/>
-              <a:cs typeface="나눔고딕"/>
-            </a:endParaRPr>
+            <a:r>
+              <a:rPr kumimoji="1" lang="en-US" altLang="ko-KR" sz="700" b="1" i="0" u="none" strike="noStrike" kern="1200" cap="none" spc="0" normalizeH="0" baseline="0" dirty="0">
+                <a:solidFill>
+                  <a:srgbClr val="262626"/>
+                </a:solidFill>
+                <a:latin typeface="나눔고딕"/>
+                <a:ea typeface="나눔고딕"/>
+                <a:cs typeface="나눔고딕"/>
+              </a:rPr>
+              <a:t>,</a:t>
+            </a:r>
+            <a:r>
+              <a:rPr kumimoji="1" lang="ko-KR" altLang="en-US" sz="700" b="1" i="0" u="none" strike="noStrike" kern="1200" cap="none" spc="0" normalizeH="0" baseline="0" dirty="0">
+                <a:solidFill>
+                  <a:srgbClr val="262626"/>
+                </a:solidFill>
+                <a:latin typeface="나눔고딕"/>
+                <a:ea typeface="나눔고딕"/>
+                <a:cs typeface="나눔고딕"/>
+              </a:rPr>
+              <a:t>수강내역 조회 구현</a:t>
+            </a:r>
           </a:p>
         </p:txBody>
       </p:sp>
@@ -12843,8 +12514,8 @@
         </p:nvSpPr>
         <p:spPr>
           <a:xfrm>
-            <a:off x="1268760" y="3291830"/>
-            <a:ext cx="4392488" cy="216024"/>
+            <a:off x="1196752" y="3291830"/>
+            <a:ext cx="4464496" cy="216024"/>
           </a:xfrm>
           <a:prstGeom prst="roundRect">
             <a:avLst>
@@ -12852,7 +12523,7 @@
             </a:avLst>
           </a:prstGeom>
           <a:solidFill>
-            <a:srgbClr val="aab9ff">
+            <a:srgbClr val="AAB9FF">
               <a:alpha val="100000"/>
             </a:srgbClr>
           </a:solidFill>
@@ -12863,6 +12534,7 @@
         </p:spPr>
         <p:txBody>
           <a:bodyPr anchor="ctr"/>
+          <a:lstStyle/>
           <a:p>
             <a:pPr marL="0" lvl="0" indent="0" algn="ctr" rtl="0" eaLnBrk="1" latinLnBrk="1" hangingPunct="1">
               <a:lnSpc>
@@ -12878,7 +12550,7 @@
               <a:defRPr/>
             </a:pPr>
             <a:r>
-              <a:rPr xmlns:mc="http://schemas.openxmlformats.org/markup-compatibility/2006" xmlns:hp="http://schemas.haansoft.com/office/presentation/8.0" kumimoji="1" lang="ko-KR" altLang="en-US" sz="900" b="1" i="0" u="none" strike="noStrike" kern="1200" cap="none" spc="0" normalizeH="0" baseline="0" mc:Ignorable="hp" hp:hslEmbossed="0">
+              <a:rPr kumimoji="1" lang="ko-KR" altLang="en-US" sz="900" b="1" i="0" u="none" strike="noStrike" kern="1200" cap="none" spc="0" normalizeH="0" baseline="0" dirty="0">
                 <a:solidFill>
                   <a:srgbClr val="262626"/>
                 </a:solidFill>
@@ -12886,16 +12558,30 @@
                 <a:ea typeface="나눔고딕"/>
                 <a:cs typeface="나눔고딕"/>
               </a:rPr>
-              <a:t>패키지 구조 생성 및 기능 구현 </a:t>
+              <a:t>패키지 구조 생성 및 기능 구현</a:t>
             </a:r>
-            <a:endParaRPr xmlns:mc="http://schemas.openxmlformats.org/markup-compatibility/2006" xmlns:hp="http://schemas.haansoft.com/office/presentation/8.0" kumimoji="1" lang="ko-KR" altLang="en-US" sz="900" b="1" i="0" u="none" strike="noStrike" kern="1200" cap="none" spc="0" normalizeH="0" baseline="0" mc:Ignorable="hp" hp:hslEmbossed="0">
-              <a:solidFill>
-                <a:srgbClr val="262626"/>
-              </a:solidFill>
-              <a:latin typeface="나눔고딕"/>
-              <a:ea typeface="나눔고딕"/>
-              <a:cs typeface="나눔고딕"/>
-            </a:endParaRPr>
+            <a:r>
+              <a:rPr kumimoji="1" lang="en-US" altLang="ko-KR" sz="900" b="1" i="0" u="none" strike="noStrike" kern="1200" cap="none" spc="0" normalizeH="0" baseline="0" dirty="0">
+                <a:solidFill>
+                  <a:srgbClr val="262626"/>
+                </a:solidFill>
+                <a:latin typeface="나눔고딕"/>
+                <a:ea typeface="나눔고딕"/>
+                <a:cs typeface="나눔고딕"/>
+              </a:rPr>
+              <a:t>, </a:t>
+            </a:r>
+            <a:r>
+              <a:rPr kumimoji="1" lang="ko-KR" altLang="en-US" sz="900" b="1" i="0" u="none" strike="noStrike" kern="1200" cap="none" spc="0" normalizeH="0" baseline="0" dirty="0">
+                <a:solidFill>
+                  <a:srgbClr val="262626"/>
+                </a:solidFill>
+                <a:latin typeface="나눔고딕"/>
+                <a:ea typeface="나눔고딕"/>
+                <a:cs typeface="나눔고딕"/>
+              </a:rPr>
+              <a:t>회원관리 기능 병합 </a:t>
+            </a:r>
           </a:p>
         </p:txBody>
       </p:sp>
@@ -12907,8 +12593,8 @@
         </p:nvSpPr>
         <p:spPr>
           <a:xfrm>
-            <a:off x="1268760" y="4155926"/>
-            <a:ext cx="4392488" cy="216024"/>
+            <a:off x="1196752" y="4104943"/>
+            <a:ext cx="4464496" cy="216024"/>
           </a:xfrm>
           <a:prstGeom prst="roundRect">
             <a:avLst>
@@ -12916,7 +12602,7 @@
             </a:avLst>
           </a:prstGeom>
           <a:solidFill>
-            <a:srgbClr val="96a5ff">
+            <a:srgbClr val="96A5FF">
               <a:alpha val="100000"/>
             </a:srgbClr>
           </a:solidFill>
@@ -12927,6 +12613,7 @@
         </p:spPr>
         <p:txBody>
           <a:bodyPr anchor="ctr"/>
+          <a:lstStyle/>
           <a:p>
             <a:pPr marL="0" lvl="0" indent="0" algn="ctr" rtl="0" eaLnBrk="1" latinLnBrk="1" hangingPunct="1">
               <a:lnSpc>
@@ -12942,7 +12629,7 @@
               <a:defRPr/>
             </a:pPr>
             <a:r>
-              <a:rPr xmlns:mc="http://schemas.openxmlformats.org/markup-compatibility/2006" xmlns:hp="http://schemas.haansoft.com/office/presentation/8.0" kumimoji="1" lang="ko-KR" altLang="en-US" sz="900" b="1" i="0" u="none" strike="noStrike" kern="1200" cap="none" spc="0" normalizeH="0" baseline="0" mc:Ignorable="hp" hp:hslEmbossed="0">
+              <a:rPr kumimoji="1" lang="ko-KR" altLang="en-US" sz="900" b="1" i="0" u="none" strike="noStrike" kern="1200" cap="none" spc="0" normalizeH="0" baseline="0" dirty="0">
                 <a:solidFill>
                   <a:srgbClr val="262626"/>
                 </a:solidFill>
@@ -12953,7 +12640,7 @@
               <a:t>문서 작업 및 </a:t>
             </a:r>
             <a:r>
-              <a:rPr xmlns:mc="http://schemas.openxmlformats.org/markup-compatibility/2006" xmlns:hp="http://schemas.haansoft.com/office/presentation/8.0" kumimoji="1" lang="en-US" altLang="ko-KR" sz="900" b="1" i="0" u="none" strike="noStrike" kern="1200" cap="none" spc="0" normalizeH="0" baseline="0" mc:Ignorable="hp" hp:hslEmbossed="0">
+              <a:rPr kumimoji="1" lang="en-US" altLang="ko-KR" sz="900" b="1" i="0" u="none" strike="noStrike" kern="1200" cap="none" spc="0" normalizeH="0" baseline="0" dirty="0">
                 <a:solidFill>
                   <a:srgbClr val="262626"/>
                 </a:solidFill>
@@ -12964,7 +12651,7 @@
               <a:t>PPT </a:t>
             </a:r>
             <a:r>
-              <a:rPr xmlns:mc="http://schemas.openxmlformats.org/markup-compatibility/2006" xmlns:hp="http://schemas.haansoft.com/office/presentation/8.0" kumimoji="1" lang="ko-KR" altLang="en-US" sz="900" b="1" i="0" u="none" strike="noStrike" kern="1200" cap="none" spc="0" normalizeH="0" baseline="0" mc:Ignorable="hp" hp:hslEmbossed="0">
+              <a:rPr kumimoji="1" lang="ko-KR" altLang="en-US" sz="900" b="1" i="0" u="none" strike="noStrike" kern="1200" cap="none" spc="0" normalizeH="0" baseline="0" dirty="0">
                 <a:solidFill>
                   <a:srgbClr val="262626"/>
                 </a:solidFill>
@@ -12974,14 +12661,6 @@
               </a:rPr>
               <a:t>제작</a:t>
             </a:r>
-            <a:endParaRPr xmlns:mc="http://schemas.openxmlformats.org/markup-compatibility/2006" xmlns:hp="http://schemas.haansoft.com/office/presentation/8.0" kumimoji="1" lang="ko-KR" altLang="en-US" sz="900" b="1" i="0" u="none" strike="noStrike" kern="1200" cap="none" spc="0" normalizeH="0" baseline="0" mc:Ignorable="hp" hp:hslEmbossed="0">
-              <a:solidFill>
-                <a:srgbClr val="262626"/>
-              </a:solidFill>
-              <a:latin typeface="나눔고딕"/>
-              <a:ea typeface="나눔고딕"/>
-              <a:cs typeface="나눔고딕"/>
-            </a:endParaRPr>
           </a:p>
         </p:txBody>
       </p:sp>
@@ -12993,8 +12672,8 @@
         </p:nvSpPr>
         <p:spPr>
           <a:xfrm>
-            <a:off x="1232756" y="3723878"/>
-            <a:ext cx="4392488" cy="216024"/>
+            <a:off x="1196752" y="3664471"/>
+            <a:ext cx="3528392" cy="232982"/>
           </a:xfrm>
           <a:prstGeom prst="roundRect">
             <a:avLst>
@@ -13002,7 +12681,7 @@
             </a:avLst>
           </a:prstGeom>
           <a:solidFill>
-            <a:srgbClr val="aab9ff">
+            <a:srgbClr val="AAB9FF">
               <a:alpha val="100000"/>
             </a:srgbClr>
           </a:solidFill>
@@ -13013,6 +12692,7 @@
         </p:spPr>
         <p:txBody>
           <a:bodyPr anchor="ctr"/>
+          <a:lstStyle/>
           <a:p>
             <a:pPr marL="0" lvl="0" indent="0" algn="ctr" rtl="0" eaLnBrk="1" latinLnBrk="1" hangingPunct="1">
               <a:lnSpc>
@@ -13028,7 +12708,7 @@
               <a:defRPr/>
             </a:pPr>
             <a:r>
-              <a:rPr xmlns:mc="http://schemas.openxmlformats.org/markup-compatibility/2006" xmlns:hp="http://schemas.haansoft.com/office/presentation/8.0" kumimoji="1" lang="ko-KR" altLang="en-US" sz="900" b="1" i="0" u="none" strike="noStrike" kern="1200" cap="none" spc="0" normalizeH="0" baseline="0" mc:Ignorable="hp" hp:hslEmbossed="0">
+              <a:rPr kumimoji="1" lang="ko-KR" altLang="en-US" sz="700" b="1" i="0" u="none" strike="noStrike" kern="1200" cap="none" spc="0" normalizeH="0" baseline="0" dirty="0">
                 <a:solidFill>
                   <a:srgbClr val="262626"/>
                 </a:solidFill>
@@ -13036,16 +12716,85 @@
                 <a:ea typeface="나눔고딕"/>
                 <a:cs typeface="나눔고딕"/>
               </a:rPr>
-              <a:t>패키지 구조 생성 및 기능 구현 </a:t>
+              <a:t>패키지 구조 생성 및 기능 구현</a:t>
             </a:r>
-            <a:endParaRPr xmlns:mc="http://schemas.openxmlformats.org/markup-compatibility/2006" xmlns:hp="http://schemas.haansoft.com/office/presentation/8.0" kumimoji="1" lang="ko-KR" altLang="en-US" sz="900" b="1" i="0" u="none" strike="noStrike" kern="1200" cap="none" spc="0" normalizeH="0" baseline="0" mc:Ignorable="hp" hp:hslEmbossed="0">
-              <a:solidFill>
-                <a:srgbClr val="262626"/>
-              </a:solidFill>
-              <a:latin typeface="나눔고딕"/>
-              <a:ea typeface="나눔고딕"/>
-              <a:cs typeface="나눔고딕"/>
-            </a:endParaRPr>
+            <a:r>
+              <a:rPr kumimoji="1" lang="en-US" altLang="ko-KR" sz="700" b="1" i="0" u="none" strike="noStrike" kern="1200" cap="none" spc="0" normalizeH="0" baseline="0" dirty="0">
+                <a:solidFill>
+                  <a:srgbClr val="262626"/>
+                </a:solidFill>
+                <a:latin typeface="나눔고딕"/>
+                <a:ea typeface="나눔고딕"/>
+                <a:cs typeface="나눔고딕"/>
+              </a:rPr>
+              <a:t>, </a:t>
+            </a:r>
+            <a:r>
+              <a:rPr kumimoji="1" lang="ko-KR" altLang="en-US" sz="700" b="1" i="0" u="none" strike="noStrike" kern="1200" cap="none" spc="0" normalizeH="0" baseline="0" dirty="0">
+                <a:solidFill>
+                  <a:srgbClr val="262626"/>
+                </a:solidFill>
+                <a:latin typeface="나눔고딕"/>
+                <a:ea typeface="나눔고딕"/>
+                <a:cs typeface="나눔고딕"/>
+              </a:rPr>
+              <a:t>팀 전체 코드 병합</a:t>
+            </a:r>
+            <a:r>
+              <a:rPr kumimoji="1" lang="en-US" altLang="ko-KR" sz="700" b="1" i="0" u="none" strike="noStrike" kern="1200" cap="none" spc="0" normalizeH="0" baseline="0" dirty="0">
+                <a:solidFill>
+                  <a:srgbClr val="262626"/>
+                </a:solidFill>
+                <a:latin typeface="나눔고딕"/>
+                <a:ea typeface="나눔고딕"/>
+                <a:cs typeface="나눔고딕"/>
+              </a:rPr>
+              <a:t>, </a:t>
+            </a:r>
+            <a:r>
+              <a:rPr kumimoji="1" lang="ko-KR" altLang="en-US" sz="700" b="1" i="0" u="none" strike="noStrike" kern="1200" cap="none" spc="0" normalizeH="0" baseline="0" dirty="0">
+                <a:solidFill>
+                  <a:srgbClr val="262626"/>
+                </a:solidFill>
+                <a:latin typeface="나눔고딕"/>
+                <a:ea typeface="나눔고딕"/>
+                <a:cs typeface="나눔고딕"/>
+              </a:rPr>
+              <a:t>결제 내역과 수강내역에 이미지 불러오기 구현</a:t>
+            </a:r>
+            <a:r>
+              <a:rPr kumimoji="1" lang="en-US" altLang="ko-KR" sz="700" b="1" i="0" u="none" strike="noStrike" kern="1200" cap="none" spc="0" normalizeH="0" baseline="0" dirty="0">
+                <a:solidFill>
+                  <a:srgbClr val="262626"/>
+                </a:solidFill>
+                <a:latin typeface="나눔고딕"/>
+                <a:ea typeface="나눔고딕"/>
+                <a:cs typeface="나눔고딕"/>
+              </a:rPr>
+              <a:t>, </a:t>
+            </a:r>
+            <a:r>
+              <a:rPr kumimoji="1" lang="ko-KR" altLang="en-US" sz="700" b="1" i="0" u="none" strike="noStrike" kern="1200" cap="none" spc="0" normalizeH="0" baseline="0" dirty="0">
+                <a:solidFill>
+                  <a:srgbClr val="262626"/>
+                </a:solidFill>
+                <a:latin typeface="나눔고딕"/>
+                <a:ea typeface="나눔고딕"/>
+                <a:cs typeface="나눔고딕"/>
+              </a:rPr>
+              <a:t>환불 규정에 따른 환불 가능상태 구현</a:t>
+            </a:r>
+            <a:r>
+              <a:rPr kumimoji="1" lang="ko-KR" altLang="en-US" sz="900" b="1" i="0" u="none" strike="noStrike" kern="1200" cap="none" spc="0" normalizeH="0" baseline="0" dirty="0">
+                <a:solidFill>
+                  <a:srgbClr val="262626"/>
+                </a:solidFill>
+                <a:latin typeface="나눔고딕"/>
+                <a:ea typeface="나눔고딕"/>
+                <a:cs typeface="나눔고딕"/>
+              </a:rPr>
+              <a:t> </a:t>
+            </a:r>
           </a:p>
         </p:txBody>
       </p:sp>
@@ -13057,7 +12806,7 @@
         </p:nvSpPr>
         <p:spPr>
           <a:xfrm>
-            <a:off x="1277144" y="4515966"/>
+            <a:off x="1196752" y="4545415"/>
             <a:ext cx="1647800" cy="216024"/>
           </a:xfrm>
           <a:prstGeom prst="roundRect">
@@ -13066,7 +12815,7 @@
             </a:avLst>
           </a:prstGeom>
           <a:solidFill>
-            <a:srgbClr val="96a5ff">
+            <a:srgbClr val="96A5FF">
               <a:alpha val="100000"/>
             </a:srgbClr>
           </a:solidFill>
@@ -13077,6 +12826,7 @@
         </p:spPr>
         <p:txBody>
           <a:bodyPr anchor="ctr"/>
+          <a:lstStyle/>
           <a:p>
             <a:pPr marL="0" lvl="0" indent="0" algn="ctr" rtl="0" eaLnBrk="1" latinLnBrk="1" hangingPunct="1">
               <a:lnSpc>
@@ -13092,7 +12842,7 @@
               <a:defRPr/>
             </a:pPr>
             <a:r>
-              <a:rPr xmlns:mc="http://schemas.openxmlformats.org/markup-compatibility/2006" xmlns:hp="http://schemas.haansoft.com/office/presentation/8.0" kumimoji="1" lang="ko-KR" altLang="en-US" sz="900" b="1" i="0" u="none" strike="noStrike" kern="1200" cap="none" spc="0" normalizeH="0" baseline="0" mc:Ignorable="hp" hp:hslEmbossed="0">
+              <a:rPr kumimoji="1" lang="ko-KR" altLang="en-US" sz="900" b="1" i="0" u="none" strike="noStrike" kern="1200" cap="none" spc="0" normalizeH="0" baseline="0">
                 <a:solidFill>
                   <a:srgbClr val="262626"/>
                 </a:solidFill>
@@ -13102,21 +12852,76 @@
               </a:rPr>
               <a:t>테스트 및 유지 보수</a:t>
             </a:r>
-            <a:endParaRPr xmlns:mc="http://schemas.openxmlformats.org/markup-compatibility/2006" xmlns:hp="http://schemas.haansoft.com/office/presentation/8.0" kumimoji="1" lang="ko-KR" altLang="en-US" sz="900" b="1" i="0" u="none" strike="noStrike" kern="1200" cap="none" spc="0" normalizeH="0" baseline="0" mc:Ignorable="hp" hp:hslEmbossed="0">
-              <a:solidFill>
-                <a:srgbClr val="262626"/>
-              </a:solidFill>
-              <a:latin typeface="나눔고딕"/>
-              <a:ea typeface="나눔고딕"/>
-              <a:cs typeface="나눔고딕"/>
-            </a:endParaRPr>
+          </a:p>
+        </p:txBody>
+      </p:sp>
+      <p:sp>
+        <p:nvSpPr>
+          <p:cNvPr id="3" name="모서리가 둥근 직사각형 62599">
+            <a:extLst>
+              <a:ext uri="{FF2B5EF4-FFF2-40B4-BE49-F238E27FC236}">
+                <a16:creationId xmlns:a16="http://schemas.microsoft.com/office/drawing/2014/main" id="{2CC854F9-22A7-DE06-5622-CBF57BE9B571}"/>
+              </a:ext>
+            </a:extLst>
+          </p:cNvPr>
+          <p:cNvSpPr/>
+          <p:nvPr/>
+        </p:nvSpPr>
+        <p:spPr>
+          <a:xfrm>
+            <a:off x="4797152" y="3664471"/>
+            <a:ext cx="864096" cy="216024"/>
+          </a:xfrm>
+          <a:prstGeom prst="roundRect">
+            <a:avLst>
+              <a:gd name="adj" fmla="val 27173"/>
+            </a:avLst>
+          </a:prstGeom>
+          <a:solidFill>
+            <a:srgbClr val="AAB9FF">
+              <a:alpha val="100000"/>
+            </a:srgbClr>
+          </a:solidFill>
+          <a:ln w="25400" cap="flat" cmpd="sng" algn="ctr">
+            <a:noFill/>
+            <a:prstDash val="solid"/>
+          </a:ln>
+        </p:spPr>
+        <p:txBody>
+          <a:bodyPr anchor="ctr"/>
+          <a:lstStyle/>
+          <a:p>
+            <a:pPr marL="0" lvl="0" indent="0" algn="ctr" rtl="0" eaLnBrk="1" latinLnBrk="1" hangingPunct="1">
+              <a:lnSpc>
+                <a:spcPct val="100000"/>
+              </a:lnSpc>
+              <a:spcBef>
+                <a:spcPct val="0"/>
+              </a:spcBef>
+              <a:spcAft>
+                <a:spcPct val="0"/>
+              </a:spcAft>
+              <a:buNone/>
+              <a:defRPr/>
+            </a:pPr>
+            <a:r>
+              <a:rPr kumimoji="1" lang="ko-KR" altLang="en-US" sz="700" b="1" i="0" u="none" strike="noStrike" kern="1200" cap="none" spc="0" normalizeH="0" baseline="0" dirty="0">
+                <a:solidFill>
+                  <a:srgbClr val="262626"/>
+                </a:solidFill>
+                <a:latin typeface="나눔고딕"/>
+                <a:ea typeface="나눔고딕"/>
+                <a:cs typeface="나눔고딕"/>
+              </a:rPr>
+              <a:t>회원조회  및 강제탈퇴 구현</a:t>
+            </a:r>
           </a:p>
         </p:txBody>
       </p:sp>
     </p:spTree>
     <p:extLst>
       <p:ext uri="{BB962C8B-B14F-4D97-AF65-F5344CB8AC3E}">
-        <p14:creationId xmlns:p14="http://schemas.microsoft.com/office/powerpoint/2010/main" val="1492082544"/>
+        <p14:creationId xmlns:p14="http://schemas.microsoft.com/office/powerpoint/2010/main" val="3724701315"/>
       </p:ext>
     </p:extLst>
   </p:cSld>
@@ -13127,41 +12932,41 @@
 </file>
 
 <file path=ppt/theme/theme1.xml><?xml version="1.0" encoding="utf-8"?>
-<a:theme xmlns:r="http://schemas.openxmlformats.org/officeDocument/2006/relationships" xmlns:c="http://schemas.openxmlformats.org/drawingml/2006/chart" xmlns:dgm="http://schemas.openxmlformats.org/drawingml/2006/diagram" xmlns:dsp="http://schemas.microsoft.com/office/drawing/2008/diagram" xmlns:a="http://schemas.openxmlformats.org/drawingml/2006/main" xmlns:pic="http://schemas.openxmlformats.org/drawingml/2006/picture" xmlns:wp="http://schemas.openxmlformats.org/drawingml/2006/wordprocessingDrawing" xmlns:xdr="http://schemas.openxmlformats.org/drawingml/2006/spreadsheetDrawing" xmlns:lc="http://schemas.openxmlformats.org/drawingml/2006/lockedCanvas" xmlns:p="http://schemas.openxmlformats.org/presentationml/2006/main" name="Office 테마">
+<a:theme xmlns:a="http://schemas.openxmlformats.org/drawingml/2006/main" name="Office 테마">
   <a:themeElements>
     <a:clrScheme name="Office">
       <a:dk1>
         <a:sysClr val="windowText" lastClr="000000"/>
       </a:dk1>
       <a:lt1>
-        <a:sysClr val="window" lastClr="ffffff"/>
+        <a:sysClr val="window" lastClr="FFFFFF"/>
       </a:lt1>
       <a:dk2>
-        <a:srgbClr val="1f497d"/>
+        <a:srgbClr val="1F497D"/>
       </a:dk2>
       <a:lt2>
-        <a:srgbClr val="eeece1"/>
+        <a:srgbClr val="EEECE1"/>
       </a:lt2>
       <a:accent1>
-        <a:srgbClr val="4f81bd"/>
+        <a:srgbClr val="4F81BD"/>
       </a:accent1>
       <a:accent2>
-        <a:srgbClr val="c0504d"/>
+        <a:srgbClr val="C0504D"/>
       </a:accent2>
       <a:accent3>
-        <a:srgbClr val="9bbb59"/>
+        <a:srgbClr val="9BBB59"/>
       </a:accent3>
       <a:accent4>
-        <a:srgbClr val="8064a2"/>
+        <a:srgbClr val="8064A2"/>
       </a:accent4>
       <a:accent5>
-        <a:srgbClr val="4bacc6"/>
+        <a:srgbClr val="4BACC6"/>
       </a:accent5>
       <a:accent6>
-        <a:srgbClr val="f79646"/>
+        <a:srgbClr val="F79646"/>
       </a:accent6>
       <a:hlink>
-        <a:srgbClr val="0000ff"/>
+        <a:srgbClr val="0000FF"/>
       </a:hlink>
       <a:folHlink>
         <a:srgbClr val="800080"/>
@@ -13346,45 +13151,47 @@
       </a:bgFillStyleLst>
     </a:fmtScheme>
   </a:themeElements>
+  <a:objectDefaults/>
+  <a:extraClrSchemeLst/>
 </a:theme>
 </file>
 
 <file path=ppt/theme/theme2.xml><?xml version="1.0" encoding="utf-8"?>
-<a:theme xmlns:r="http://schemas.openxmlformats.org/officeDocument/2006/relationships" xmlns:c="http://schemas.openxmlformats.org/drawingml/2006/chart" xmlns:dgm="http://schemas.openxmlformats.org/drawingml/2006/diagram" xmlns:dsp="http://schemas.microsoft.com/office/drawing/2008/diagram" xmlns:a="http://schemas.openxmlformats.org/drawingml/2006/main" xmlns:pic="http://schemas.openxmlformats.org/drawingml/2006/picture" xmlns:wp="http://schemas.openxmlformats.org/drawingml/2006/wordprocessingDrawing" xmlns:xdr="http://schemas.openxmlformats.org/drawingml/2006/spreadsheetDrawing" xmlns:lc="http://schemas.openxmlformats.org/drawingml/2006/lockedCanvas" xmlns:p="http://schemas.openxmlformats.org/presentationml/2006/main" name="Office 테마">
+<a:theme xmlns:a="http://schemas.openxmlformats.org/drawingml/2006/main" name="Office 테마">
   <a:themeElements>
     <a:clrScheme name="Office">
       <a:dk1>
         <a:sysClr val="windowText" lastClr="000000"/>
       </a:dk1>
       <a:lt1>
-        <a:sysClr val="window" lastClr="ffffff"/>
+        <a:sysClr val="window" lastClr="FFFFFF"/>
       </a:lt1>
       <a:dk2>
-        <a:srgbClr val="1f497d"/>
+        <a:srgbClr val="1F497D"/>
       </a:dk2>
       <a:lt2>
-        <a:srgbClr val="eeece1"/>
+        <a:srgbClr val="EEECE1"/>
       </a:lt2>
       <a:accent1>
-        <a:srgbClr val="4f81bd"/>
+        <a:srgbClr val="4F81BD"/>
       </a:accent1>
       <a:accent2>
-        <a:srgbClr val="c0504d"/>
+        <a:srgbClr val="C0504D"/>
       </a:accent2>
       <a:accent3>
-        <a:srgbClr val="9bbb59"/>
+        <a:srgbClr val="9BBB59"/>
       </a:accent3>
       <a:accent4>
-        <a:srgbClr val="8064a2"/>
+        <a:srgbClr val="8064A2"/>
       </a:accent4>
       <a:accent5>
-        <a:srgbClr val="4bacc6"/>
+        <a:srgbClr val="4BACC6"/>
       </a:accent5>
       <a:accent6>
-        <a:srgbClr val="f79646"/>
+        <a:srgbClr val="F79646"/>
       </a:accent6>
       <a:hlink>
-        <a:srgbClr val="0000ff"/>
+        <a:srgbClr val="0000FF"/>
       </a:hlink>
       <a:folHlink>
         <a:srgbClr val="800080"/>
@@ -13629,5 +13436,7 @@
       </a:bgFillStyleLst>
     </a:fmtScheme>
   </a:themeElements>
+  <a:objectDefaults/>
+  <a:extraClrSchemeLst/>
 </a:theme>
 </file>